--- a/오소레미오 발표.pptx
+++ b/오소레미오 발표.pptx
@@ -16,13 +16,24 @@
     <p:sldId id="272" r:id="rId10"/>
     <p:sldId id="273" r:id="rId11"/>
     <p:sldId id="275" r:id="rId12"/>
-    <p:sldId id="274" r:id="rId13"/>
-    <p:sldId id="276" r:id="rId14"/>
-    <p:sldId id="277" r:id="rId15"/>
-    <p:sldId id="267" r:id="rId16"/>
+    <p:sldId id="280" r:id="rId13"/>
+    <p:sldId id="281" r:id="rId14"/>
+    <p:sldId id="278" r:id="rId15"/>
+    <p:sldId id="274" r:id="rId16"/>
+    <p:sldId id="276" r:id="rId17"/>
+    <p:sldId id="277" r:id="rId18"/>
+    <p:sldId id="279" r:id="rId19"/>
+    <p:sldId id="267" r:id="rId20"/>
   </p:sldIdLst>
   <p:sldSz cx="12192000" cy="6858000"/>
   <p:notesSz cx="6858000" cy="9144000"/>
+  <p:embeddedFontLst>
+    <p:embeddedFont>
+      <p:font typeface="맑은 고딕" panose="020B0503020000020004" pitchFamily="50" charset="-127"/>
+      <p:regular r:id="rId21"/>
+      <p:bold r:id="rId22"/>
+    </p:embeddedFont>
+  </p:embeddedFontLst>
   <p:defaultTextStyle>
     <a:defPPr>
       <a:defRPr lang="ko-KR"/>
@@ -1810,6 +1821,2577 @@
         <p:spPr>
           <a:xfrm>
             <a:off x="597638" y="1310959"/>
+            <a:ext cx="1903085" cy="400110"/>
+          </a:xfrm>
+          <a:prstGeom prst="rect">
+            <a:avLst/>
+          </a:prstGeom>
+          <a:noFill/>
+        </p:spPr>
+        <p:txBody>
+          <a:bodyPr wrap="none" rtlCol="0">
+            <a:spAutoFit/>
+          </a:bodyPr>
+          <a:lstStyle/>
+          <a:p>
+            <a:r>
+              <a:rPr lang="ko-KR" altLang="en-US" sz="2000" b="1" dirty="0"/>
+              <a:t>현행 기술 수준</a:t>
+            </a:r>
+          </a:p>
+        </p:txBody>
+      </p:sp>
+      <p:pic>
+        <p:nvPicPr>
+          <p:cNvPr id="5" name="그림 4">
+            <a:extLst>
+              <a:ext uri="{FF2B5EF4-FFF2-40B4-BE49-F238E27FC236}">
+                <a16:creationId xmlns:a16="http://schemas.microsoft.com/office/drawing/2014/main" id="{3A5D850F-AA70-43DF-AE5A-0A7C3363A551}"/>
+              </a:ext>
+            </a:extLst>
+          </p:cNvPr>
+          <p:cNvPicPr>
+            <a:picLocks noChangeAspect="1"/>
+          </p:cNvPicPr>
+          <p:nvPr/>
+        </p:nvPicPr>
+        <p:blipFill>
+          <a:blip r:embed="rId2">
+            <a:extLst>
+              <a:ext uri="{28A0092B-C50C-407E-A947-70E740481C1C}">
+                <a14:useLocalDpi xmlns:a14="http://schemas.microsoft.com/office/drawing/2010/main" val="0"/>
+              </a:ext>
+            </a:extLst>
+          </a:blip>
+          <a:stretch>
+            <a:fillRect/>
+          </a:stretch>
+        </p:blipFill>
+        <p:spPr>
+          <a:xfrm>
+            <a:off x="367997" y="4201886"/>
+            <a:ext cx="6087232" cy="1749557"/>
+          </a:xfrm>
+          <a:prstGeom prst="rect">
+            <a:avLst/>
+          </a:prstGeom>
+        </p:spPr>
+      </p:pic>
+      <p:sp>
+        <p:nvSpPr>
+          <p:cNvPr id="7" name="TextBox 6">
+            <a:extLst>
+              <a:ext uri="{FF2B5EF4-FFF2-40B4-BE49-F238E27FC236}">
+                <a16:creationId xmlns:a16="http://schemas.microsoft.com/office/drawing/2014/main" id="{48BCDCBA-6416-4CE8-A0B3-96F925B625E0}"/>
+              </a:ext>
+            </a:extLst>
+          </p:cNvPr>
+          <p:cNvSpPr txBox="1"/>
+          <p:nvPr/>
+        </p:nvSpPr>
+        <p:spPr>
+          <a:xfrm>
+            <a:off x="367997" y="5951443"/>
+            <a:ext cx="1909882" cy="276999"/>
+          </a:xfrm>
+          <a:prstGeom prst="rect">
+            <a:avLst/>
+          </a:prstGeom>
+          <a:noFill/>
+        </p:spPr>
+        <p:txBody>
+          <a:bodyPr wrap="none" rtlCol="0">
+            <a:spAutoFit/>
+          </a:bodyPr>
+          <a:lstStyle/>
+          <a:p>
+            <a:r>
+              <a:rPr lang="ko-KR" altLang="en-US" sz="1200" dirty="0"/>
+              <a:t>그림</a:t>
+            </a:r>
+            <a:r>
+              <a:rPr lang="en-US" altLang="ko-KR" sz="1200" dirty="0"/>
+              <a:t>. 1 Yolo</a:t>
+            </a:r>
+            <a:r>
+              <a:rPr lang="ko-KR" altLang="en-US" sz="1200" dirty="0"/>
+              <a:t> </a:t>
+            </a:r>
+            <a:r>
+              <a:rPr lang="en-US" altLang="ko-KR" sz="1200" dirty="0"/>
+              <a:t>v3</a:t>
+            </a:r>
+            <a:r>
+              <a:rPr lang="ko-KR" altLang="en-US" sz="1200" dirty="0"/>
+              <a:t> </a:t>
+            </a:r>
+            <a:r>
+              <a:rPr lang="en-US" altLang="ko-KR" sz="1200" dirty="0"/>
+              <a:t>Structure</a:t>
+            </a:r>
+            <a:endParaRPr lang="ko-KR" altLang="en-US" sz="1200" dirty="0"/>
+          </a:p>
+        </p:txBody>
+      </p:sp>
+      <p:sp>
+        <p:nvSpPr>
+          <p:cNvPr id="17" name="TextBox 16">
+            <a:extLst>
+              <a:ext uri="{FF2B5EF4-FFF2-40B4-BE49-F238E27FC236}">
+                <a16:creationId xmlns:a16="http://schemas.microsoft.com/office/drawing/2014/main" id="{7DD92787-697F-4004-AA9F-361F3D9FA3B8}"/>
+              </a:ext>
+            </a:extLst>
+          </p:cNvPr>
+          <p:cNvSpPr txBox="1"/>
+          <p:nvPr/>
+        </p:nvSpPr>
+        <p:spPr>
+          <a:xfrm>
+            <a:off x="723122" y="2023110"/>
+            <a:ext cx="10532707" cy="1477328"/>
+          </a:xfrm>
+          <a:prstGeom prst="rect">
+            <a:avLst/>
+          </a:prstGeom>
+          <a:noFill/>
+        </p:spPr>
+        <p:txBody>
+          <a:bodyPr wrap="square" rtlCol="0">
+            <a:spAutoFit/>
+          </a:bodyPr>
+          <a:lstStyle/>
+          <a:p>
+            <a:r>
+              <a:rPr lang="en-US" altLang="ko-KR" dirty="0"/>
+              <a:t>YOLO </a:t>
+            </a:r>
+            <a:r>
+              <a:rPr lang="ko-KR" altLang="en-US" dirty="0"/>
+              <a:t>같은 경우 </a:t>
+            </a:r>
+            <a:r>
+              <a:rPr lang="en-US" altLang="ko-KR" dirty="0"/>
+              <a:t>1-Stage</a:t>
+            </a:r>
+            <a:r>
+              <a:rPr lang="ko-KR" altLang="en-US" dirty="0"/>
+              <a:t> </a:t>
+            </a:r>
+            <a:r>
+              <a:rPr lang="en-US" altLang="ko-KR" dirty="0"/>
+              <a:t>Detector</a:t>
+            </a:r>
+            <a:r>
+              <a:rPr lang="ko-KR" altLang="en-US" dirty="0"/>
+              <a:t>로서 </a:t>
+            </a:r>
+            <a:r>
+              <a:rPr lang="en-US" altLang="ko-KR" dirty="0"/>
+              <a:t>2-Stage</a:t>
+            </a:r>
+            <a:r>
+              <a:rPr lang="ko-KR" altLang="en-US" dirty="0"/>
+              <a:t> </a:t>
+            </a:r>
+            <a:r>
+              <a:rPr lang="en-US" altLang="ko-KR" dirty="0"/>
+              <a:t>Detector</a:t>
+            </a:r>
+            <a:r>
+              <a:rPr lang="ko-KR" altLang="en-US" dirty="0"/>
+              <a:t>와 반대로 </a:t>
+            </a:r>
+            <a:r>
+              <a:rPr lang="en-US" altLang="ko-KR" b="0" i="0" dirty="0">
+                <a:solidFill>
+                  <a:srgbClr val="000000"/>
+                </a:solidFill>
+                <a:effectLst/>
+                <a:latin typeface="Noto Serif KR"/>
+              </a:rPr>
+              <a:t>regional proposal</a:t>
+            </a:r>
+            <a:r>
+              <a:rPr lang="ko-KR" altLang="en-US" b="0" i="0" dirty="0">
+                <a:solidFill>
+                  <a:srgbClr val="000000"/>
+                </a:solidFill>
+                <a:effectLst/>
+                <a:latin typeface="Noto Serif KR"/>
+              </a:rPr>
+              <a:t>와 </a:t>
+            </a:r>
+            <a:r>
+              <a:rPr lang="en-US" altLang="ko-KR" b="0" i="0" dirty="0">
+                <a:solidFill>
+                  <a:srgbClr val="000000"/>
+                </a:solidFill>
+                <a:effectLst/>
+                <a:latin typeface="Noto Serif KR"/>
+              </a:rPr>
+              <a:t>classification</a:t>
+            </a:r>
+            <a:r>
+              <a:rPr lang="ko-KR" altLang="en-US" b="0" i="0" dirty="0">
+                <a:solidFill>
+                  <a:srgbClr val="000000"/>
+                </a:solidFill>
+                <a:effectLst/>
+                <a:latin typeface="Noto Serif KR"/>
+              </a:rPr>
+              <a:t>이 동시에 이루어진다</a:t>
+            </a:r>
+            <a:r>
+              <a:rPr lang="en-US" altLang="ko-KR" b="0" i="0" dirty="0">
+                <a:solidFill>
+                  <a:srgbClr val="000000"/>
+                </a:solidFill>
+                <a:effectLst/>
+                <a:latin typeface="Noto Serif KR"/>
+              </a:rPr>
+              <a:t>. </a:t>
+            </a:r>
+            <a:r>
+              <a:rPr lang="ko-KR" altLang="en-US" b="0" i="0" dirty="0">
+                <a:solidFill>
+                  <a:srgbClr val="000000"/>
+                </a:solidFill>
+                <a:effectLst/>
+                <a:latin typeface="Noto Serif KR"/>
+              </a:rPr>
+              <a:t>즉</a:t>
+            </a:r>
+            <a:r>
+              <a:rPr lang="en-US" altLang="ko-KR" b="0" i="0" dirty="0">
+                <a:solidFill>
+                  <a:srgbClr val="000000"/>
+                </a:solidFill>
+                <a:effectLst/>
+                <a:latin typeface="Noto Serif KR"/>
+              </a:rPr>
+              <a:t>, classification</a:t>
+            </a:r>
+            <a:r>
+              <a:rPr lang="ko-KR" altLang="en-US" b="0" i="0" dirty="0">
+                <a:solidFill>
+                  <a:srgbClr val="000000"/>
+                </a:solidFill>
+                <a:effectLst/>
+                <a:latin typeface="Noto Serif KR"/>
+              </a:rPr>
+              <a:t>과 </a:t>
+            </a:r>
+            <a:r>
+              <a:rPr lang="en-US" altLang="ko-KR" b="0" i="0" dirty="0">
+                <a:solidFill>
+                  <a:srgbClr val="000000"/>
+                </a:solidFill>
+                <a:effectLst/>
+                <a:latin typeface="Noto Serif KR"/>
+              </a:rPr>
+              <a:t>localization</a:t>
+            </a:r>
+            <a:r>
+              <a:rPr lang="ko-KR" altLang="en-US" b="0" i="0" dirty="0">
+                <a:solidFill>
+                  <a:srgbClr val="000000"/>
+                </a:solidFill>
+                <a:effectLst/>
+                <a:latin typeface="Noto Serif KR"/>
+              </a:rPr>
+              <a:t>문제를 동시에 해결하는 방법이다</a:t>
+            </a:r>
+            <a:r>
+              <a:rPr lang="en-US" altLang="ko-KR" b="0" i="0" dirty="0">
+                <a:solidFill>
+                  <a:srgbClr val="000000"/>
+                </a:solidFill>
+                <a:effectLst/>
+                <a:latin typeface="Noto Serif KR"/>
+              </a:rPr>
+              <a:t>. </a:t>
+            </a:r>
+            <a:r>
+              <a:rPr lang="ko-KR" altLang="en-US" dirty="0"/>
+              <a:t> </a:t>
+            </a:r>
+            <a:endParaRPr lang="en-US" altLang="ko-KR" dirty="0"/>
+          </a:p>
+          <a:p>
+            <a:endParaRPr lang="en-US" altLang="ko-KR" dirty="0"/>
+          </a:p>
+          <a:p>
+            <a:r>
+              <a:rPr lang="ko-KR" altLang="en-US" dirty="0"/>
+              <a:t>그래서 일반적으로 </a:t>
+            </a:r>
+            <a:r>
+              <a:rPr lang="en-US" altLang="ko-KR" dirty="0"/>
+              <a:t>1-</a:t>
+            </a:r>
+            <a:r>
+              <a:rPr lang="ko-KR" altLang="en-US" dirty="0"/>
+              <a:t> </a:t>
+            </a:r>
+            <a:r>
+              <a:rPr lang="en-US" altLang="ko-KR" dirty="0"/>
+              <a:t>Stage Detector</a:t>
+            </a:r>
+            <a:r>
+              <a:rPr lang="ko-KR" altLang="en-US" dirty="0"/>
+              <a:t>가 </a:t>
+            </a:r>
+            <a:r>
+              <a:rPr lang="en-US" altLang="ko-KR" dirty="0"/>
+              <a:t>2-Stage Detector </a:t>
+            </a:r>
+            <a:r>
+              <a:rPr lang="ko-KR" altLang="en-US" dirty="0"/>
+              <a:t>비교적 빠르지만 정확도 낮다</a:t>
+            </a:r>
+            <a:r>
+              <a:rPr lang="en-US" altLang="ko-KR" dirty="0"/>
+              <a:t>.</a:t>
+            </a:r>
+          </a:p>
+          <a:p>
+            <a:r>
+              <a:rPr lang="ko-KR" altLang="en-US" dirty="0"/>
+              <a:t>반대로 </a:t>
+            </a:r>
+            <a:r>
+              <a:rPr lang="en-US" altLang="ko-KR" dirty="0"/>
+              <a:t>2-Stage Detector</a:t>
+            </a:r>
+            <a:r>
+              <a:rPr lang="ko-KR" altLang="en-US" dirty="0"/>
+              <a:t>는 비교적 정확도가 높다</a:t>
+            </a:r>
+            <a:r>
+              <a:rPr lang="en-US" altLang="ko-KR" dirty="0"/>
+              <a:t>.</a:t>
+            </a:r>
+            <a:endParaRPr lang="ko-KR" altLang="en-US" dirty="0"/>
+          </a:p>
+        </p:txBody>
+      </p:sp>
+    </p:spTree>
+    <p:extLst>
+      <p:ext uri="{BB962C8B-B14F-4D97-AF65-F5344CB8AC3E}">
+        <p14:creationId xmlns:p14="http://schemas.microsoft.com/office/powerpoint/2010/main" val="1205969849"/>
+      </p:ext>
+    </p:extLst>
+  </p:cSld>
+  <p:clrMapOvr>
+    <a:masterClrMapping/>
+  </p:clrMapOvr>
+</p:sld>
+</file>
+
+<file path=ppt/slides/slide11.xml><?xml version="1.0" encoding="utf-8"?>
+<p:sld xmlns:a="http://schemas.openxmlformats.org/drawingml/2006/main" xmlns:r="http://schemas.openxmlformats.org/officeDocument/2006/relationships" xmlns:p="http://schemas.openxmlformats.org/presentationml/2006/main">
+  <p:cSld>
+    <p:spTree>
+      <p:nvGrpSpPr>
+        <p:cNvPr id="1" name=""/>
+        <p:cNvGrpSpPr/>
+        <p:nvPr/>
+      </p:nvGrpSpPr>
+      <p:grpSpPr>
+        <a:xfrm>
+          <a:off x="0" y="0"/>
+          <a:ext cx="0" cy="0"/>
+          <a:chOff x="0" y="0"/>
+          <a:chExt cx="0" cy="0"/>
+        </a:xfrm>
+      </p:grpSpPr>
+      <p:sp>
+        <p:nvSpPr>
+          <p:cNvPr id="4" name="TextBox 3"/>
+          <p:cNvSpPr txBox="1"/>
+          <p:nvPr/>
+        </p:nvSpPr>
+        <p:spPr>
+          <a:xfrm>
+            <a:off x="449943" y="629558"/>
+            <a:ext cx="1210588" cy="400110"/>
+          </a:xfrm>
+          <a:prstGeom prst="rect">
+            <a:avLst/>
+          </a:prstGeom>
+          <a:noFill/>
+        </p:spPr>
+        <p:txBody>
+          <a:bodyPr wrap="none" rtlCol="0">
+            <a:spAutoFit/>
+          </a:bodyPr>
+          <a:lstStyle/>
+          <a:p>
+            <a:r>
+              <a:rPr lang="ko-KR" altLang="en-US" sz="2000" b="1" dirty="0"/>
+              <a:t>구현계획</a:t>
+            </a:r>
+          </a:p>
+        </p:txBody>
+      </p:sp>
+      <p:sp>
+        <p:nvSpPr>
+          <p:cNvPr id="11" name="직사각형 10"/>
+          <p:cNvSpPr/>
+          <p:nvPr/>
+        </p:nvSpPr>
+        <p:spPr>
+          <a:xfrm>
+            <a:off x="319314" y="161924"/>
+            <a:ext cx="995136" cy="376919"/>
+          </a:xfrm>
+          <a:prstGeom prst="rect">
+            <a:avLst/>
+          </a:prstGeom>
+          <a:solidFill>
+            <a:srgbClr val="0070C0"/>
+          </a:solidFill>
+          <a:ln>
+            <a:noFill/>
+          </a:ln>
+        </p:spPr>
+        <p:style>
+          <a:lnRef idx="2">
+            <a:schemeClr val="accent1">
+              <a:shade val="50000"/>
+            </a:schemeClr>
+          </a:lnRef>
+          <a:fillRef idx="1">
+            <a:schemeClr val="accent1"/>
+          </a:fillRef>
+          <a:effectRef idx="0">
+            <a:schemeClr val="accent1"/>
+          </a:effectRef>
+          <a:fontRef idx="minor">
+            <a:schemeClr val="lt1"/>
+          </a:fontRef>
+        </p:style>
+        <p:txBody>
+          <a:bodyPr rtlCol="0" anchor="ctr"/>
+          <a:lstStyle/>
+          <a:p>
+            <a:pPr algn="ctr"/>
+            <a:endParaRPr lang="ko-KR" altLang="en-US"/>
+          </a:p>
+        </p:txBody>
+      </p:sp>
+      <p:sp>
+        <p:nvSpPr>
+          <p:cNvPr id="14" name="타원 13"/>
+          <p:cNvSpPr/>
+          <p:nvPr/>
+        </p:nvSpPr>
+        <p:spPr>
+          <a:xfrm>
+            <a:off x="561638" y="1064986"/>
+            <a:ext cx="72000" cy="72000"/>
+          </a:xfrm>
+          <a:prstGeom prst="ellipse">
+            <a:avLst/>
+          </a:prstGeom>
+          <a:solidFill>
+            <a:srgbClr val="002060"/>
+          </a:solidFill>
+          <a:ln>
+            <a:noFill/>
+          </a:ln>
+        </p:spPr>
+        <p:style>
+          <a:lnRef idx="2">
+            <a:schemeClr val="accent1">
+              <a:shade val="50000"/>
+            </a:schemeClr>
+          </a:lnRef>
+          <a:fillRef idx="1">
+            <a:schemeClr val="accent1"/>
+          </a:fillRef>
+          <a:effectRef idx="0">
+            <a:schemeClr val="accent1"/>
+          </a:effectRef>
+          <a:fontRef idx="minor">
+            <a:schemeClr val="lt1"/>
+          </a:fontRef>
+        </p:style>
+        <p:txBody>
+          <a:bodyPr rtlCol="0" anchor="ctr"/>
+          <a:lstStyle/>
+          <a:p>
+            <a:pPr algn="ctr"/>
+            <a:endParaRPr lang="ko-KR" altLang="en-US" sz="1600"/>
+          </a:p>
+        </p:txBody>
+      </p:sp>
+      <p:sp>
+        <p:nvSpPr>
+          <p:cNvPr id="15" name="타원 14"/>
+          <p:cNvSpPr/>
+          <p:nvPr/>
+        </p:nvSpPr>
+        <p:spPr>
+          <a:xfrm>
+            <a:off x="723122" y="1064986"/>
+            <a:ext cx="72000" cy="72000"/>
+          </a:xfrm>
+          <a:prstGeom prst="ellipse">
+            <a:avLst/>
+          </a:prstGeom>
+          <a:solidFill>
+            <a:srgbClr val="0070C0"/>
+          </a:solidFill>
+          <a:ln>
+            <a:noFill/>
+          </a:ln>
+        </p:spPr>
+        <p:style>
+          <a:lnRef idx="2">
+            <a:schemeClr val="accent1">
+              <a:shade val="50000"/>
+            </a:schemeClr>
+          </a:lnRef>
+          <a:fillRef idx="1">
+            <a:schemeClr val="accent1"/>
+          </a:fillRef>
+          <a:effectRef idx="0">
+            <a:schemeClr val="accent1"/>
+          </a:effectRef>
+          <a:fontRef idx="minor">
+            <a:schemeClr val="lt1"/>
+          </a:fontRef>
+        </p:style>
+        <p:txBody>
+          <a:bodyPr rtlCol="0" anchor="ctr"/>
+          <a:lstStyle/>
+          <a:p>
+            <a:pPr algn="ctr"/>
+            <a:endParaRPr lang="ko-KR" altLang="en-US" sz="1600"/>
+          </a:p>
+        </p:txBody>
+      </p:sp>
+      <p:sp>
+        <p:nvSpPr>
+          <p:cNvPr id="16" name="타원 15"/>
+          <p:cNvSpPr/>
+          <p:nvPr/>
+        </p:nvSpPr>
+        <p:spPr>
+          <a:xfrm>
+            <a:off x="884606" y="1064986"/>
+            <a:ext cx="72000" cy="72000"/>
+          </a:xfrm>
+          <a:prstGeom prst="ellipse">
+            <a:avLst/>
+          </a:prstGeom>
+          <a:solidFill>
+            <a:srgbClr val="00B0F0"/>
+          </a:solidFill>
+          <a:ln>
+            <a:noFill/>
+          </a:ln>
+        </p:spPr>
+        <p:style>
+          <a:lnRef idx="2">
+            <a:schemeClr val="accent1">
+              <a:shade val="50000"/>
+            </a:schemeClr>
+          </a:lnRef>
+          <a:fillRef idx="1">
+            <a:schemeClr val="accent1"/>
+          </a:fillRef>
+          <a:effectRef idx="0">
+            <a:schemeClr val="accent1"/>
+          </a:effectRef>
+          <a:fontRef idx="minor">
+            <a:schemeClr val="lt1"/>
+          </a:fontRef>
+        </p:style>
+        <p:txBody>
+          <a:bodyPr rtlCol="0" anchor="ctr"/>
+          <a:lstStyle/>
+          <a:p>
+            <a:pPr algn="ctr"/>
+            <a:endParaRPr lang="ko-KR" altLang="en-US" sz="1600"/>
+          </a:p>
+        </p:txBody>
+      </p:sp>
+      <p:grpSp>
+        <p:nvGrpSpPr>
+          <p:cNvPr id="18" name="그룹 17">
+            <a:extLst>
+              <a:ext uri="{FF2B5EF4-FFF2-40B4-BE49-F238E27FC236}">
+                <a16:creationId xmlns:a16="http://schemas.microsoft.com/office/drawing/2014/main" id="{31ACFD83-3FD1-4203-864A-A149A244F486}"/>
+              </a:ext>
+            </a:extLst>
+          </p:cNvPr>
+          <p:cNvGrpSpPr/>
+          <p:nvPr/>
+        </p:nvGrpSpPr>
+        <p:grpSpPr>
+          <a:xfrm>
+            <a:off x="7700833" y="611078"/>
+            <a:ext cx="3871229" cy="276999"/>
+            <a:chOff x="7700833" y="609794"/>
+            <a:chExt cx="3871229" cy="276999"/>
+          </a:xfrm>
+        </p:grpSpPr>
+        <p:sp>
+          <p:nvSpPr>
+            <p:cNvPr id="19" name="TextBox 18">
+              <a:extLst>
+                <a:ext uri="{FF2B5EF4-FFF2-40B4-BE49-F238E27FC236}">
+                  <a16:creationId xmlns:a16="http://schemas.microsoft.com/office/drawing/2014/main" id="{E7E1F318-6CE2-418E-872D-D899891BAE52}"/>
+                </a:ext>
+              </a:extLst>
+            </p:cNvPr>
+            <p:cNvSpPr txBox="1"/>
+            <p:nvPr/>
+          </p:nvSpPr>
+          <p:spPr>
+            <a:xfrm>
+              <a:off x="7700833" y="609794"/>
+              <a:ext cx="1162499" cy="276999"/>
+            </a:xfrm>
+            <a:prstGeom prst="rect">
+              <a:avLst/>
+            </a:prstGeom>
+            <a:noFill/>
+          </p:spPr>
+          <p:txBody>
+            <a:bodyPr wrap="none" rtlCol="0" anchor="ctr">
+              <a:spAutoFit/>
+            </a:bodyPr>
+            <a:lstStyle/>
+            <a:p>
+              <a:pPr algn="ctr"/>
+              <a:r>
+                <a:rPr lang="ko-KR" altLang="en-US" sz="1200" b="1" dirty="0">
+                  <a:latin typeface="나눔스퀘어 Bold" panose="020B0600000101010101" pitchFamily="50" charset="-127"/>
+                  <a:ea typeface="나눔스퀘어 Bold" panose="020B0600000101010101" pitchFamily="50" charset="-127"/>
+                </a:rPr>
+                <a:t>프로젝트 소개</a:t>
+              </a:r>
+            </a:p>
+          </p:txBody>
+        </p:sp>
+        <p:sp>
+          <p:nvSpPr>
+            <p:cNvPr id="20" name="TextBox 19">
+              <a:extLst>
+                <a:ext uri="{FF2B5EF4-FFF2-40B4-BE49-F238E27FC236}">
+                  <a16:creationId xmlns:a16="http://schemas.microsoft.com/office/drawing/2014/main" id="{DED87E3E-4C56-4356-A7EA-18CD0DC9A562}"/>
+                </a:ext>
+              </a:extLst>
+            </p:cNvPr>
+            <p:cNvSpPr txBox="1"/>
+            <p:nvPr/>
+          </p:nvSpPr>
+          <p:spPr>
+            <a:xfrm>
+              <a:off x="9072032" y="609794"/>
+              <a:ext cx="492444" cy="276999"/>
+            </a:xfrm>
+            <a:prstGeom prst="rect">
+              <a:avLst/>
+            </a:prstGeom>
+            <a:noFill/>
+          </p:spPr>
+          <p:txBody>
+            <a:bodyPr wrap="none" rtlCol="0" anchor="ctr">
+              <a:spAutoFit/>
+            </a:bodyPr>
+            <a:lstStyle/>
+            <a:p>
+              <a:pPr algn="ctr"/>
+              <a:r>
+                <a:rPr lang="ko-KR" altLang="en-US" sz="1200" b="1" dirty="0">
+                  <a:latin typeface="나눔스퀘어 Bold" panose="020B0600000101010101" pitchFamily="50" charset="-127"/>
+                  <a:ea typeface="나눔스퀘어 Bold" panose="020B0600000101010101" pitchFamily="50" charset="-127"/>
+                </a:rPr>
+                <a:t>문제</a:t>
+              </a:r>
+            </a:p>
+          </p:txBody>
+        </p:sp>
+        <p:sp>
+          <p:nvSpPr>
+            <p:cNvPr id="21" name="TextBox 20">
+              <a:extLst>
+                <a:ext uri="{FF2B5EF4-FFF2-40B4-BE49-F238E27FC236}">
+                  <a16:creationId xmlns:a16="http://schemas.microsoft.com/office/drawing/2014/main" id="{70EA2796-5241-45FD-8E0D-5ABEFE99ACD7}"/>
+                </a:ext>
+              </a:extLst>
+            </p:cNvPr>
+            <p:cNvSpPr txBox="1"/>
+            <p:nvPr/>
+          </p:nvSpPr>
+          <p:spPr>
+            <a:xfrm>
+              <a:off x="9931044" y="609794"/>
+              <a:ext cx="800219" cy="276999"/>
+            </a:xfrm>
+            <a:prstGeom prst="rect">
+              <a:avLst/>
+            </a:prstGeom>
+            <a:noFill/>
+          </p:spPr>
+          <p:txBody>
+            <a:bodyPr wrap="none" rtlCol="0" anchor="ctr">
+              <a:spAutoFit/>
+            </a:bodyPr>
+            <a:lstStyle/>
+            <a:p>
+              <a:pPr algn="ctr"/>
+              <a:r>
+                <a:rPr lang="ko-KR" altLang="en-US" sz="1200" b="1" dirty="0">
+                  <a:solidFill>
+                    <a:srgbClr val="0070C0"/>
+                  </a:solidFill>
+                  <a:latin typeface="나눔스퀘어 Bold" panose="020B0600000101010101" pitchFamily="50" charset="-127"/>
+                  <a:ea typeface="나눔스퀘어 Bold" panose="020B0600000101010101" pitchFamily="50" charset="-127"/>
+                </a:rPr>
+                <a:t>구현계획</a:t>
+              </a:r>
+            </a:p>
+          </p:txBody>
+        </p:sp>
+        <p:sp>
+          <p:nvSpPr>
+            <p:cNvPr id="22" name="TextBox 21">
+              <a:extLst>
+                <a:ext uri="{FF2B5EF4-FFF2-40B4-BE49-F238E27FC236}">
+                  <a16:creationId xmlns:a16="http://schemas.microsoft.com/office/drawing/2014/main" id="{E7931066-70D7-465D-B4C2-4AD2F5355E70}"/>
+                </a:ext>
+              </a:extLst>
+            </p:cNvPr>
+            <p:cNvSpPr txBox="1"/>
+            <p:nvPr/>
+          </p:nvSpPr>
+          <p:spPr>
+            <a:xfrm>
+              <a:off x="11079618" y="609794"/>
+              <a:ext cx="492444" cy="276999"/>
+            </a:xfrm>
+            <a:prstGeom prst="rect">
+              <a:avLst/>
+            </a:prstGeom>
+            <a:noFill/>
+          </p:spPr>
+          <p:txBody>
+            <a:bodyPr wrap="none" rtlCol="0" anchor="ctr">
+              <a:spAutoFit/>
+            </a:bodyPr>
+            <a:lstStyle/>
+            <a:p>
+              <a:pPr algn="ctr"/>
+              <a:r>
+                <a:rPr lang="ko-KR" altLang="en-US" sz="1200" b="1" dirty="0">
+                  <a:solidFill>
+                    <a:schemeClr val="tx1">
+                      <a:lumMod val="75000"/>
+                      <a:lumOff val="25000"/>
+                    </a:schemeClr>
+                  </a:solidFill>
+                  <a:latin typeface="나눔스퀘어 Bold" panose="020B0600000101010101" pitchFamily="50" charset="-127"/>
+                  <a:ea typeface="나눔스퀘어 Bold" panose="020B0600000101010101" pitchFamily="50" charset="-127"/>
+                </a:rPr>
+                <a:t>정리</a:t>
+              </a:r>
+            </a:p>
+          </p:txBody>
+        </p:sp>
+      </p:grpSp>
+      <p:sp>
+        <p:nvSpPr>
+          <p:cNvPr id="6" name="TextBox 5">
+            <a:extLst>
+              <a:ext uri="{FF2B5EF4-FFF2-40B4-BE49-F238E27FC236}">
+                <a16:creationId xmlns:a16="http://schemas.microsoft.com/office/drawing/2014/main" id="{00FF42F2-F577-4B7B-BF91-5086F1AB31AB}"/>
+              </a:ext>
+            </a:extLst>
+          </p:cNvPr>
+          <p:cNvSpPr txBox="1"/>
+          <p:nvPr/>
+        </p:nvSpPr>
+        <p:spPr>
+          <a:xfrm>
+            <a:off x="597638" y="1310959"/>
+            <a:ext cx="1903085" cy="400110"/>
+          </a:xfrm>
+          <a:prstGeom prst="rect">
+            <a:avLst/>
+          </a:prstGeom>
+          <a:noFill/>
+        </p:spPr>
+        <p:txBody>
+          <a:bodyPr wrap="none" rtlCol="0">
+            <a:spAutoFit/>
+          </a:bodyPr>
+          <a:lstStyle/>
+          <a:p>
+            <a:r>
+              <a:rPr lang="ko-KR" altLang="en-US" sz="2000" b="1" dirty="0"/>
+              <a:t>현행 기술 수준</a:t>
+            </a:r>
+          </a:p>
+        </p:txBody>
+      </p:sp>
+      <p:sp>
+        <p:nvSpPr>
+          <p:cNvPr id="7" name="TextBox 6">
+            <a:extLst>
+              <a:ext uri="{FF2B5EF4-FFF2-40B4-BE49-F238E27FC236}">
+                <a16:creationId xmlns:a16="http://schemas.microsoft.com/office/drawing/2014/main" id="{48BCDCBA-6416-4CE8-A0B3-96F925B625E0}"/>
+              </a:ext>
+            </a:extLst>
+          </p:cNvPr>
+          <p:cNvSpPr txBox="1"/>
+          <p:nvPr/>
+        </p:nvSpPr>
+        <p:spPr>
+          <a:xfrm>
+            <a:off x="484625" y="5698683"/>
+            <a:ext cx="1733167" cy="276999"/>
+          </a:xfrm>
+          <a:prstGeom prst="rect">
+            <a:avLst/>
+          </a:prstGeom>
+          <a:noFill/>
+        </p:spPr>
+        <p:txBody>
+          <a:bodyPr wrap="none" rtlCol="0">
+            <a:spAutoFit/>
+          </a:bodyPr>
+          <a:lstStyle/>
+          <a:p>
+            <a:r>
+              <a:rPr lang="ko-KR" altLang="en-US" sz="1200" dirty="0"/>
+              <a:t>객체 탐지 모델 비교표</a:t>
+            </a:r>
+          </a:p>
+        </p:txBody>
+      </p:sp>
+      <p:pic>
+        <p:nvPicPr>
+          <p:cNvPr id="3" name="그림 2" descr="테이블이(가) 표시된 사진&#10;&#10;자동 생성된 설명">
+            <a:extLst>
+              <a:ext uri="{FF2B5EF4-FFF2-40B4-BE49-F238E27FC236}">
+                <a16:creationId xmlns:a16="http://schemas.microsoft.com/office/drawing/2014/main" id="{538938AC-EE34-49C2-ACF3-27213C8A7F80}"/>
+              </a:ext>
+            </a:extLst>
+          </p:cNvPr>
+          <p:cNvPicPr>
+            <a:picLocks noChangeAspect="1"/>
+          </p:cNvPicPr>
+          <p:nvPr/>
+        </p:nvPicPr>
+        <p:blipFill>
+          <a:blip r:embed="rId2">
+            <a:extLst>
+              <a:ext uri="{28A0092B-C50C-407E-A947-70E740481C1C}">
+                <a14:useLocalDpi xmlns:a14="http://schemas.microsoft.com/office/drawing/2010/main" val="0"/>
+              </a:ext>
+            </a:extLst>
+          </a:blip>
+          <a:stretch>
+            <a:fillRect/>
+          </a:stretch>
+        </p:blipFill>
+        <p:spPr>
+          <a:xfrm>
+            <a:off x="449943" y="3667065"/>
+            <a:ext cx="4163563" cy="2031618"/>
+          </a:xfrm>
+          <a:prstGeom prst="rect">
+            <a:avLst/>
+          </a:prstGeom>
+        </p:spPr>
+      </p:pic>
+      <p:sp>
+        <p:nvSpPr>
+          <p:cNvPr id="8" name="TextBox 7">
+            <a:extLst>
+              <a:ext uri="{FF2B5EF4-FFF2-40B4-BE49-F238E27FC236}">
+                <a16:creationId xmlns:a16="http://schemas.microsoft.com/office/drawing/2014/main" id="{00711C6E-1FCB-4D05-894C-DB34D4C44994}"/>
+              </a:ext>
+            </a:extLst>
+          </p:cNvPr>
+          <p:cNvSpPr txBox="1"/>
+          <p:nvPr/>
+        </p:nvSpPr>
+        <p:spPr>
+          <a:xfrm>
+            <a:off x="816882" y="1908741"/>
+            <a:ext cx="10822065" cy="1323439"/>
+          </a:xfrm>
+          <a:prstGeom prst="rect">
+            <a:avLst/>
+          </a:prstGeom>
+          <a:noFill/>
+        </p:spPr>
+        <p:txBody>
+          <a:bodyPr wrap="none" rtlCol="0">
+            <a:spAutoFit/>
+          </a:bodyPr>
+          <a:lstStyle/>
+          <a:p>
+            <a:r>
+              <a:rPr lang="ko-KR" altLang="en-US" sz="1600" dirty="0"/>
+              <a:t>기존에는 </a:t>
+            </a:r>
+            <a:r>
+              <a:rPr lang="en-US" altLang="ko-KR" sz="1600" dirty="0"/>
+              <a:t>2-Stage</a:t>
+            </a:r>
+            <a:r>
+              <a:rPr lang="ko-KR" altLang="en-US" sz="1600" dirty="0"/>
+              <a:t> </a:t>
+            </a:r>
+            <a:r>
+              <a:rPr lang="en-US" altLang="ko-KR" sz="1600" dirty="0"/>
+              <a:t>Detector</a:t>
+            </a:r>
+            <a:r>
+              <a:rPr lang="ko-KR" altLang="en-US" sz="1600" dirty="0"/>
+              <a:t>가 속도는 느리지만 정확도가 높다는 이점이 있었으나 성능 개선으로 </a:t>
+            </a:r>
+            <a:r>
+              <a:rPr lang="en-US" altLang="ko-KR" sz="1600" dirty="0"/>
+              <a:t>1-Stage</a:t>
+            </a:r>
+            <a:r>
+              <a:rPr lang="ko-KR" altLang="en-US" sz="1600" dirty="0"/>
+              <a:t> </a:t>
+            </a:r>
+            <a:r>
+              <a:rPr lang="en-US" altLang="ko-KR" sz="1600" dirty="0"/>
+              <a:t>Detector </a:t>
+            </a:r>
+          </a:p>
+          <a:p>
+            <a:r>
+              <a:rPr lang="ko-KR" altLang="en-US" sz="1600" dirty="0"/>
+              <a:t>모델이</a:t>
+            </a:r>
+            <a:r>
+              <a:rPr lang="en-US" altLang="ko-KR" sz="1600" dirty="0"/>
+              <a:t> </a:t>
+            </a:r>
+            <a:r>
+              <a:rPr lang="ko-KR" altLang="en-US" sz="1600" dirty="0"/>
+              <a:t>속도와 정확도 측면에서 가장 좋은 성과를 보여주고 있다</a:t>
+            </a:r>
+            <a:r>
+              <a:rPr lang="en-US" altLang="ko-KR" sz="1600" dirty="0"/>
+              <a:t>.</a:t>
+            </a:r>
+          </a:p>
+          <a:p>
+            <a:endParaRPr lang="en-US" altLang="ko-KR" sz="1600" dirty="0"/>
+          </a:p>
+          <a:p>
+            <a:r>
+              <a:rPr lang="ko-KR" altLang="en-US" sz="1600" dirty="0"/>
+              <a:t>밑에</a:t>
+            </a:r>
+            <a:r>
+              <a:rPr lang="en-US" altLang="ko-KR" sz="1600" dirty="0"/>
+              <a:t> </a:t>
+            </a:r>
+            <a:r>
+              <a:rPr lang="ko-KR" altLang="en-US" sz="1600" dirty="0"/>
+              <a:t>비교표를 보면 알 수 있듯이 </a:t>
+            </a:r>
+            <a:r>
+              <a:rPr lang="en-US" altLang="ko-KR" sz="1600" dirty="0"/>
+              <a:t>AP(Average Precision) </a:t>
+            </a:r>
+            <a:r>
+              <a:rPr lang="ko-KR" altLang="en-US" sz="1600" dirty="0"/>
+              <a:t>결과가 기존 </a:t>
+            </a:r>
+            <a:r>
+              <a:rPr lang="en-US" altLang="ko-KR" sz="1600" dirty="0"/>
+              <a:t>2-Stage Detector</a:t>
+            </a:r>
+            <a:r>
+              <a:rPr lang="ko-KR" altLang="en-US" sz="1600" dirty="0"/>
+              <a:t>보다 높거나 비슷한 수준으로</a:t>
+            </a:r>
+            <a:endParaRPr lang="en-US" altLang="ko-KR" sz="1600" dirty="0"/>
+          </a:p>
+          <a:p>
+            <a:r>
+              <a:rPr lang="ko-KR" altLang="en-US" sz="1600" dirty="0"/>
+              <a:t>도달하고 있다</a:t>
+            </a:r>
+            <a:r>
+              <a:rPr lang="en-US" altLang="ko-KR" sz="1600" dirty="0"/>
+              <a:t>.</a:t>
+            </a:r>
+            <a:endParaRPr lang="ko-KR" altLang="en-US" sz="1600" dirty="0"/>
+          </a:p>
+        </p:txBody>
+      </p:sp>
+      <p:sp>
+        <p:nvSpPr>
+          <p:cNvPr id="23" name="TextBox 22">
+            <a:extLst>
+              <a:ext uri="{FF2B5EF4-FFF2-40B4-BE49-F238E27FC236}">
+                <a16:creationId xmlns:a16="http://schemas.microsoft.com/office/drawing/2014/main" id="{F0BE49D3-FFFA-4B20-8235-02E279C75928}"/>
+              </a:ext>
+            </a:extLst>
+          </p:cNvPr>
+          <p:cNvSpPr txBox="1"/>
+          <p:nvPr/>
+        </p:nvSpPr>
+        <p:spPr>
+          <a:xfrm>
+            <a:off x="5368390" y="6031478"/>
+            <a:ext cx="6455613" cy="215444"/>
+          </a:xfrm>
+          <a:prstGeom prst="rect">
+            <a:avLst/>
+          </a:prstGeom>
+          <a:noFill/>
+        </p:spPr>
+        <p:txBody>
+          <a:bodyPr wrap="none" rtlCol="0">
+            <a:spAutoFit/>
+          </a:bodyPr>
+          <a:lstStyle/>
+          <a:p>
+            <a:r>
+              <a:rPr lang="ko-KR" altLang="en-US" sz="800" b="1" dirty="0">
+                <a:solidFill>
+                  <a:srgbClr val="000000"/>
+                </a:solidFill>
+                <a:latin typeface="맑은 고딕" panose="020B0503020000020004" pitchFamily="50" charset="-127"/>
+                <a:ea typeface="맑은 고딕" panose="020B0503020000020004" pitchFamily="50" charset="-127"/>
+              </a:rPr>
+              <a:t>참고 </a:t>
+            </a:r>
+            <a:r>
+              <a:rPr lang="en-US" altLang="ko-KR" sz="800" b="1" dirty="0">
+                <a:solidFill>
+                  <a:srgbClr val="000000"/>
+                </a:solidFill>
+                <a:latin typeface="맑은 고딕" panose="020B0503020000020004" pitchFamily="50" charset="-127"/>
+                <a:ea typeface="맑은 고딕" panose="020B0503020000020004" pitchFamily="50" charset="-127"/>
+              </a:rPr>
+              <a:t>: </a:t>
+            </a:r>
+            <a:r>
+              <a:rPr lang="ko-KR" altLang="en-US" sz="800" b="1" i="0" dirty="0">
+                <a:solidFill>
+                  <a:srgbClr val="000000"/>
+                </a:solidFill>
+                <a:effectLst/>
+                <a:latin typeface="맑은 고딕" panose="020B0503020000020004" pitchFamily="50" charset="-127"/>
+                <a:ea typeface="맑은 고딕" panose="020B0503020000020004" pitchFamily="50" charset="-127"/>
+              </a:rPr>
+              <a:t>이용환</a:t>
+            </a:r>
+            <a:r>
+              <a:rPr lang="en-US" altLang="ko-KR" sz="800" b="1" i="0" dirty="0">
+                <a:solidFill>
+                  <a:srgbClr val="000000"/>
+                </a:solidFill>
+                <a:effectLst/>
+                <a:latin typeface="맑은 고딕" panose="020B0503020000020004" pitchFamily="50" charset="-127"/>
+                <a:ea typeface="맑은 고딕" panose="020B0503020000020004" pitchFamily="50" charset="-127"/>
+              </a:rPr>
+              <a:t>(</a:t>
+            </a:r>
+            <a:r>
+              <a:rPr lang="ko-KR" altLang="en-US" sz="800" b="1" dirty="0"/>
+              <a:t>원광대학교 </a:t>
+            </a:r>
+            <a:r>
+              <a:rPr lang="ko-KR" altLang="en-US" sz="800" b="1" dirty="0" err="1"/>
+              <a:t>디지털콘텐츠공학과</a:t>
+            </a:r>
+            <a:r>
+              <a:rPr lang="en-US" altLang="ko-KR" sz="800" b="1" i="0" dirty="0">
+                <a:solidFill>
+                  <a:srgbClr val="000000"/>
+                </a:solidFill>
+                <a:effectLst/>
+                <a:latin typeface="맑은 고딕" panose="020B0503020000020004" pitchFamily="50" charset="-127"/>
+                <a:ea typeface="맑은 고딕" panose="020B0503020000020004" pitchFamily="50" charset="-127"/>
+              </a:rPr>
+              <a:t>), </a:t>
+            </a:r>
+            <a:r>
+              <a:rPr lang="ko-KR" altLang="en-US" sz="800" b="1" dirty="0">
+                <a:solidFill>
+                  <a:srgbClr val="000000"/>
+                </a:solidFill>
+                <a:latin typeface="맑은 고딕" panose="020B0503020000020004" pitchFamily="50" charset="-127"/>
+                <a:ea typeface="맑은 고딕" panose="020B0503020000020004" pitchFamily="50" charset="-127"/>
+              </a:rPr>
+              <a:t>김영섭</a:t>
+            </a:r>
+            <a:r>
+              <a:rPr lang="en-US" altLang="ko-KR" sz="800" b="1" dirty="0">
+                <a:solidFill>
+                  <a:srgbClr val="000000"/>
+                </a:solidFill>
+                <a:latin typeface="맑은 고딕" panose="020B0503020000020004" pitchFamily="50" charset="-127"/>
+                <a:ea typeface="맑은 고딕" panose="020B0503020000020004" pitchFamily="50" charset="-127"/>
+              </a:rPr>
+              <a:t>(</a:t>
+            </a:r>
+            <a:r>
+              <a:rPr lang="ko-KR" altLang="en-US" sz="800" b="1" dirty="0"/>
+              <a:t>단국대학교 전자전기공학부</a:t>
+            </a:r>
+            <a:r>
+              <a:rPr lang="en-US" altLang="ko-KR" sz="800" b="1" dirty="0">
+                <a:solidFill>
+                  <a:srgbClr val="000000"/>
+                </a:solidFill>
+                <a:latin typeface="맑은 고딕" panose="020B0503020000020004" pitchFamily="50" charset="-127"/>
+                <a:ea typeface="맑은 고딕" panose="020B0503020000020004" pitchFamily="50" charset="-127"/>
+              </a:rPr>
+              <a:t>)</a:t>
+            </a:r>
+            <a:r>
+              <a:rPr lang="en-US" altLang="ko-KR" sz="800" b="1" i="0" dirty="0">
+                <a:solidFill>
+                  <a:srgbClr val="000000"/>
+                </a:solidFill>
+                <a:effectLst/>
+                <a:latin typeface="맑은 고딕" panose="020B0503020000020004" pitchFamily="50" charset="-127"/>
+                <a:ea typeface="맑은 고딕" panose="020B0503020000020004" pitchFamily="50" charset="-127"/>
+              </a:rPr>
+              <a:t>, "</a:t>
+            </a:r>
+            <a:r>
+              <a:rPr lang="ko-KR" altLang="en-US" sz="800" b="1" dirty="0"/>
+              <a:t> 객체 검출을 위한 </a:t>
+            </a:r>
+            <a:r>
+              <a:rPr lang="en-US" altLang="ko-KR" sz="800" b="1" dirty="0"/>
+              <a:t>CNN</a:t>
+            </a:r>
+            <a:r>
+              <a:rPr lang="ko-KR" altLang="en-US" sz="800" b="1" dirty="0"/>
+              <a:t>과 </a:t>
+            </a:r>
+            <a:r>
+              <a:rPr lang="en-US" altLang="ko-KR" sz="800" b="1" dirty="0"/>
+              <a:t>YOLO </a:t>
+            </a:r>
+            <a:r>
+              <a:rPr lang="ko-KR" altLang="en-US" sz="800" b="1" dirty="0"/>
+              <a:t>성능 비교 실험</a:t>
+            </a:r>
+            <a:r>
+              <a:rPr lang="ko-KR" altLang="en-US" sz="800" b="1" i="0" dirty="0">
+                <a:solidFill>
+                  <a:srgbClr val="000000"/>
+                </a:solidFill>
+                <a:effectLst/>
+                <a:latin typeface="맑은 고딕" panose="020B0503020000020004" pitchFamily="50" charset="-127"/>
+                <a:ea typeface="맑은 고딕" panose="020B0503020000020004" pitchFamily="50" charset="-127"/>
+              </a:rPr>
+              <a:t>”</a:t>
+            </a:r>
+            <a:endParaRPr lang="ko-KR" altLang="en-US" sz="800" b="1" dirty="0"/>
+          </a:p>
+        </p:txBody>
+      </p:sp>
+    </p:spTree>
+    <p:extLst>
+      <p:ext uri="{BB962C8B-B14F-4D97-AF65-F5344CB8AC3E}">
+        <p14:creationId xmlns:p14="http://schemas.microsoft.com/office/powerpoint/2010/main" val="1938824123"/>
+      </p:ext>
+    </p:extLst>
+  </p:cSld>
+  <p:clrMapOvr>
+    <a:masterClrMapping/>
+  </p:clrMapOvr>
+</p:sld>
+</file>
+
+<file path=ppt/slides/slide12.xml><?xml version="1.0" encoding="utf-8"?>
+<p:sld xmlns:a="http://schemas.openxmlformats.org/drawingml/2006/main" xmlns:r="http://schemas.openxmlformats.org/officeDocument/2006/relationships" xmlns:p="http://schemas.openxmlformats.org/presentationml/2006/main">
+  <p:cSld>
+    <p:spTree>
+      <p:nvGrpSpPr>
+        <p:cNvPr id="1" name=""/>
+        <p:cNvGrpSpPr/>
+        <p:nvPr/>
+      </p:nvGrpSpPr>
+      <p:grpSpPr>
+        <a:xfrm>
+          <a:off x="0" y="0"/>
+          <a:ext cx="0" cy="0"/>
+          <a:chOff x="0" y="0"/>
+          <a:chExt cx="0" cy="0"/>
+        </a:xfrm>
+      </p:grpSpPr>
+      <p:sp>
+        <p:nvSpPr>
+          <p:cNvPr id="4" name="TextBox 3"/>
+          <p:cNvSpPr txBox="1"/>
+          <p:nvPr/>
+        </p:nvSpPr>
+        <p:spPr>
+          <a:xfrm>
+            <a:off x="449943" y="629558"/>
+            <a:ext cx="1210588" cy="400110"/>
+          </a:xfrm>
+          <a:prstGeom prst="rect">
+            <a:avLst/>
+          </a:prstGeom>
+          <a:noFill/>
+        </p:spPr>
+        <p:txBody>
+          <a:bodyPr wrap="none" rtlCol="0">
+            <a:spAutoFit/>
+          </a:bodyPr>
+          <a:lstStyle/>
+          <a:p>
+            <a:r>
+              <a:rPr lang="ko-KR" altLang="en-US" sz="2000" b="1" dirty="0"/>
+              <a:t>구현계획</a:t>
+            </a:r>
+          </a:p>
+        </p:txBody>
+      </p:sp>
+      <p:sp>
+        <p:nvSpPr>
+          <p:cNvPr id="11" name="직사각형 10"/>
+          <p:cNvSpPr/>
+          <p:nvPr/>
+        </p:nvSpPr>
+        <p:spPr>
+          <a:xfrm>
+            <a:off x="319314" y="161924"/>
+            <a:ext cx="995136" cy="376919"/>
+          </a:xfrm>
+          <a:prstGeom prst="rect">
+            <a:avLst/>
+          </a:prstGeom>
+          <a:solidFill>
+            <a:srgbClr val="0070C0"/>
+          </a:solidFill>
+          <a:ln>
+            <a:noFill/>
+          </a:ln>
+        </p:spPr>
+        <p:style>
+          <a:lnRef idx="2">
+            <a:schemeClr val="accent1">
+              <a:shade val="50000"/>
+            </a:schemeClr>
+          </a:lnRef>
+          <a:fillRef idx="1">
+            <a:schemeClr val="accent1"/>
+          </a:fillRef>
+          <a:effectRef idx="0">
+            <a:schemeClr val="accent1"/>
+          </a:effectRef>
+          <a:fontRef idx="minor">
+            <a:schemeClr val="lt1"/>
+          </a:fontRef>
+        </p:style>
+        <p:txBody>
+          <a:bodyPr rtlCol="0" anchor="ctr"/>
+          <a:lstStyle/>
+          <a:p>
+            <a:pPr algn="ctr"/>
+            <a:endParaRPr lang="ko-KR" altLang="en-US"/>
+          </a:p>
+        </p:txBody>
+      </p:sp>
+      <p:sp>
+        <p:nvSpPr>
+          <p:cNvPr id="14" name="타원 13"/>
+          <p:cNvSpPr/>
+          <p:nvPr/>
+        </p:nvSpPr>
+        <p:spPr>
+          <a:xfrm>
+            <a:off x="561638" y="1064986"/>
+            <a:ext cx="72000" cy="72000"/>
+          </a:xfrm>
+          <a:prstGeom prst="ellipse">
+            <a:avLst/>
+          </a:prstGeom>
+          <a:solidFill>
+            <a:srgbClr val="002060"/>
+          </a:solidFill>
+          <a:ln>
+            <a:noFill/>
+          </a:ln>
+        </p:spPr>
+        <p:style>
+          <a:lnRef idx="2">
+            <a:schemeClr val="accent1">
+              <a:shade val="50000"/>
+            </a:schemeClr>
+          </a:lnRef>
+          <a:fillRef idx="1">
+            <a:schemeClr val="accent1"/>
+          </a:fillRef>
+          <a:effectRef idx="0">
+            <a:schemeClr val="accent1"/>
+          </a:effectRef>
+          <a:fontRef idx="minor">
+            <a:schemeClr val="lt1"/>
+          </a:fontRef>
+        </p:style>
+        <p:txBody>
+          <a:bodyPr rtlCol="0" anchor="ctr"/>
+          <a:lstStyle/>
+          <a:p>
+            <a:pPr algn="ctr"/>
+            <a:endParaRPr lang="ko-KR" altLang="en-US" sz="1600"/>
+          </a:p>
+        </p:txBody>
+      </p:sp>
+      <p:sp>
+        <p:nvSpPr>
+          <p:cNvPr id="15" name="타원 14"/>
+          <p:cNvSpPr/>
+          <p:nvPr/>
+        </p:nvSpPr>
+        <p:spPr>
+          <a:xfrm>
+            <a:off x="723122" y="1064986"/>
+            <a:ext cx="72000" cy="72000"/>
+          </a:xfrm>
+          <a:prstGeom prst="ellipse">
+            <a:avLst/>
+          </a:prstGeom>
+          <a:solidFill>
+            <a:srgbClr val="0070C0"/>
+          </a:solidFill>
+          <a:ln>
+            <a:noFill/>
+          </a:ln>
+        </p:spPr>
+        <p:style>
+          <a:lnRef idx="2">
+            <a:schemeClr val="accent1">
+              <a:shade val="50000"/>
+            </a:schemeClr>
+          </a:lnRef>
+          <a:fillRef idx="1">
+            <a:schemeClr val="accent1"/>
+          </a:fillRef>
+          <a:effectRef idx="0">
+            <a:schemeClr val="accent1"/>
+          </a:effectRef>
+          <a:fontRef idx="minor">
+            <a:schemeClr val="lt1"/>
+          </a:fontRef>
+        </p:style>
+        <p:txBody>
+          <a:bodyPr rtlCol="0" anchor="ctr"/>
+          <a:lstStyle/>
+          <a:p>
+            <a:pPr algn="ctr"/>
+            <a:endParaRPr lang="ko-KR" altLang="en-US" sz="1600"/>
+          </a:p>
+        </p:txBody>
+      </p:sp>
+      <p:sp>
+        <p:nvSpPr>
+          <p:cNvPr id="16" name="타원 15"/>
+          <p:cNvSpPr/>
+          <p:nvPr/>
+        </p:nvSpPr>
+        <p:spPr>
+          <a:xfrm>
+            <a:off x="884606" y="1064986"/>
+            <a:ext cx="72000" cy="72000"/>
+          </a:xfrm>
+          <a:prstGeom prst="ellipse">
+            <a:avLst/>
+          </a:prstGeom>
+          <a:solidFill>
+            <a:srgbClr val="00B0F0"/>
+          </a:solidFill>
+          <a:ln>
+            <a:noFill/>
+          </a:ln>
+        </p:spPr>
+        <p:style>
+          <a:lnRef idx="2">
+            <a:schemeClr val="accent1">
+              <a:shade val="50000"/>
+            </a:schemeClr>
+          </a:lnRef>
+          <a:fillRef idx="1">
+            <a:schemeClr val="accent1"/>
+          </a:fillRef>
+          <a:effectRef idx="0">
+            <a:schemeClr val="accent1"/>
+          </a:effectRef>
+          <a:fontRef idx="minor">
+            <a:schemeClr val="lt1"/>
+          </a:fontRef>
+        </p:style>
+        <p:txBody>
+          <a:bodyPr rtlCol="0" anchor="ctr"/>
+          <a:lstStyle/>
+          <a:p>
+            <a:pPr algn="ctr"/>
+            <a:endParaRPr lang="ko-KR" altLang="en-US" sz="1600"/>
+          </a:p>
+        </p:txBody>
+      </p:sp>
+      <p:grpSp>
+        <p:nvGrpSpPr>
+          <p:cNvPr id="18" name="그룹 17">
+            <a:extLst>
+              <a:ext uri="{FF2B5EF4-FFF2-40B4-BE49-F238E27FC236}">
+                <a16:creationId xmlns:a16="http://schemas.microsoft.com/office/drawing/2014/main" id="{31ACFD83-3FD1-4203-864A-A149A244F486}"/>
+              </a:ext>
+            </a:extLst>
+          </p:cNvPr>
+          <p:cNvGrpSpPr/>
+          <p:nvPr/>
+        </p:nvGrpSpPr>
+        <p:grpSpPr>
+          <a:xfrm>
+            <a:off x="7700833" y="611078"/>
+            <a:ext cx="3871229" cy="276999"/>
+            <a:chOff x="7700833" y="609794"/>
+            <a:chExt cx="3871229" cy="276999"/>
+          </a:xfrm>
+        </p:grpSpPr>
+        <p:sp>
+          <p:nvSpPr>
+            <p:cNvPr id="19" name="TextBox 18">
+              <a:extLst>
+                <a:ext uri="{FF2B5EF4-FFF2-40B4-BE49-F238E27FC236}">
+                  <a16:creationId xmlns:a16="http://schemas.microsoft.com/office/drawing/2014/main" id="{E7E1F318-6CE2-418E-872D-D899891BAE52}"/>
+                </a:ext>
+              </a:extLst>
+            </p:cNvPr>
+            <p:cNvSpPr txBox="1"/>
+            <p:nvPr/>
+          </p:nvSpPr>
+          <p:spPr>
+            <a:xfrm>
+              <a:off x="7700833" y="609794"/>
+              <a:ext cx="1162499" cy="276999"/>
+            </a:xfrm>
+            <a:prstGeom prst="rect">
+              <a:avLst/>
+            </a:prstGeom>
+            <a:noFill/>
+          </p:spPr>
+          <p:txBody>
+            <a:bodyPr wrap="none" rtlCol="0" anchor="ctr">
+              <a:spAutoFit/>
+            </a:bodyPr>
+            <a:lstStyle/>
+            <a:p>
+              <a:pPr algn="ctr"/>
+              <a:r>
+                <a:rPr lang="ko-KR" altLang="en-US" sz="1200" b="1" dirty="0">
+                  <a:latin typeface="나눔스퀘어 Bold" panose="020B0600000101010101" pitchFamily="50" charset="-127"/>
+                  <a:ea typeface="나눔스퀘어 Bold" panose="020B0600000101010101" pitchFamily="50" charset="-127"/>
+                </a:rPr>
+                <a:t>프로젝트 소개</a:t>
+              </a:r>
+            </a:p>
+          </p:txBody>
+        </p:sp>
+        <p:sp>
+          <p:nvSpPr>
+            <p:cNvPr id="20" name="TextBox 19">
+              <a:extLst>
+                <a:ext uri="{FF2B5EF4-FFF2-40B4-BE49-F238E27FC236}">
+                  <a16:creationId xmlns:a16="http://schemas.microsoft.com/office/drawing/2014/main" id="{DED87E3E-4C56-4356-A7EA-18CD0DC9A562}"/>
+                </a:ext>
+              </a:extLst>
+            </p:cNvPr>
+            <p:cNvSpPr txBox="1"/>
+            <p:nvPr/>
+          </p:nvSpPr>
+          <p:spPr>
+            <a:xfrm>
+              <a:off x="9072032" y="609794"/>
+              <a:ext cx="492444" cy="276999"/>
+            </a:xfrm>
+            <a:prstGeom prst="rect">
+              <a:avLst/>
+            </a:prstGeom>
+            <a:noFill/>
+          </p:spPr>
+          <p:txBody>
+            <a:bodyPr wrap="none" rtlCol="0" anchor="ctr">
+              <a:spAutoFit/>
+            </a:bodyPr>
+            <a:lstStyle/>
+            <a:p>
+              <a:pPr algn="ctr"/>
+              <a:r>
+                <a:rPr lang="ko-KR" altLang="en-US" sz="1200" b="1" dirty="0">
+                  <a:latin typeface="나눔스퀘어 Bold" panose="020B0600000101010101" pitchFamily="50" charset="-127"/>
+                  <a:ea typeface="나눔스퀘어 Bold" panose="020B0600000101010101" pitchFamily="50" charset="-127"/>
+                </a:rPr>
+                <a:t>문제</a:t>
+              </a:r>
+            </a:p>
+          </p:txBody>
+        </p:sp>
+        <p:sp>
+          <p:nvSpPr>
+            <p:cNvPr id="21" name="TextBox 20">
+              <a:extLst>
+                <a:ext uri="{FF2B5EF4-FFF2-40B4-BE49-F238E27FC236}">
+                  <a16:creationId xmlns:a16="http://schemas.microsoft.com/office/drawing/2014/main" id="{70EA2796-5241-45FD-8E0D-5ABEFE99ACD7}"/>
+                </a:ext>
+              </a:extLst>
+            </p:cNvPr>
+            <p:cNvSpPr txBox="1"/>
+            <p:nvPr/>
+          </p:nvSpPr>
+          <p:spPr>
+            <a:xfrm>
+              <a:off x="9931044" y="609794"/>
+              <a:ext cx="800219" cy="276999"/>
+            </a:xfrm>
+            <a:prstGeom prst="rect">
+              <a:avLst/>
+            </a:prstGeom>
+            <a:noFill/>
+          </p:spPr>
+          <p:txBody>
+            <a:bodyPr wrap="none" rtlCol="0" anchor="ctr">
+              <a:spAutoFit/>
+            </a:bodyPr>
+            <a:lstStyle/>
+            <a:p>
+              <a:pPr algn="ctr"/>
+              <a:r>
+                <a:rPr lang="ko-KR" altLang="en-US" sz="1200" b="1" dirty="0">
+                  <a:solidFill>
+                    <a:srgbClr val="0070C0"/>
+                  </a:solidFill>
+                  <a:latin typeface="나눔스퀘어 Bold" panose="020B0600000101010101" pitchFamily="50" charset="-127"/>
+                  <a:ea typeface="나눔스퀘어 Bold" panose="020B0600000101010101" pitchFamily="50" charset="-127"/>
+                </a:rPr>
+                <a:t>구현계획</a:t>
+              </a:r>
+            </a:p>
+          </p:txBody>
+        </p:sp>
+        <p:sp>
+          <p:nvSpPr>
+            <p:cNvPr id="22" name="TextBox 21">
+              <a:extLst>
+                <a:ext uri="{FF2B5EF4-FFF2-40B4-BE49-F238E27FC236}">
+                  <a16:creationId xmlns:a16="http://schemas.microsoft.com/office/drawing/2014/main" id="{E7931066-70D7-465D-B4C2-4AD2F5355E70}"/>
+                </a:ext>
+              </a:extLst>
+            </p:cNvPr>
+            <p:cNvSpPr txBox="1"/>
+            <p:nvPr/>
+          </p:nvSpPr>
+          <p:spPr>
+            <a:xfrm>
+              <a:off x="11079618" y="609794"/>
+              <a:ext cx="492444" cy="276999"/>
+            </a:xfrm>
+            <a:prstGeom prst="rect">
+              <a:avLst/>
+            </a:prstGeom>
+            <a:noFill/>
+          </p:spPr>
+          <p:txBody>
+            <a:bodyPr wrap="none" rtlCol="0" anchor="ctr">
+              <a:spAutoFit/>
+            </a:bodyPr>
+            <a:lstStyle/>
+            <a:p>
+              <a:pPr algn="ctr"/>
+              <a:r>
+                <a:rPr lang="ko-KR" altLang="en-US" sz="1200" b="1" dirty="0">
+                  <a:solidFill>
+                    <a:schemeClr val="tx1">
+                      <a:lumMod val="75000"/>
+                      <a:lumOff val="25000"/>
+                    </a:schemeClr>
+                  </a:solidFill>
+                  <a:latin typeface="나눔스퀘어 Bold" panose="020B0600000101010101" pitchFamily="50" charset="-127"/>
+                  <a:ea typeface="나눔스퀘어 Bold" panose="020B0600000101010101" pitchFamily="50" charset="-127"/>
+                </a:rPr>
+                <a:t>정리</a:t>
+              </a:r>
+            </a:p>
+          </p:txBody>
+        </p:sp>
+      </p:grpSp>
+      <p:sp>
+        <p:nvSpPr>
+          <p:cNvPr id="6" name="TextBox 5">
+            <a:extLst>
+              <a:ext uri="{FF2B5EF4-FFF2-40B4-BE49-F238E27FC236}">
+                <a16:creationId xmlns:a16="http://schemas.microsoft.com/office/drawing/2014/main" id="{00FF42F2-F577-4B7B-BF91-5086F1AB31AB}"/>
+              </a:ext>
+            </a:extLst>
+          </p:cNvPr>
+          <p:cNvSpPr txBox="1"/>
+          <p:nvPr/>
+        </p:nvSpPr>
+        <p:spPr>
+          <a:xfrm>
+            <a:off x="597638" y="1310959"/>
+            <a:ext cx="1903085" cy="400110"/>
+          </a:xfrm>
+          <a:prstGeom prst="rect">
+            <a:avLst/>
+          </a:prstGeom>
+          <a:noFill/>
+        </p:spPr>
+        <p:txBody>
+          <a:bodyPr wrap="none" rtlCol="0">
+            <a:spAutoFit/>
+          </a:bodyPr>
+          <a:lstStyle/>
+          <a:p>
+            <a:r>
+              <a:rPr lang="ko-KR" altLang="en-US" sz="2000" b="1" dirty="0"/>
+              <a:t>현행 기술 수준</a:t>
+            </a:r>
+          </a:p>
+        </p:txBody>
+      </p:sp>
+      <p:sp>
+        <p:nvSpPr>
+          <p:cNvPr id="7" name="TextBox 6">
+            <a:extLst>
+              <a:ext uri="{FF2B5EF4-FFF2-40B4-BE49-F238E27FC236}">
+                <a16:creationId xmlns:a16="http://schemas.microsoft.com/office/drawing/2014/main" id="{48BCDCBA-6416-4CE8-A0B3-96F925B625E0}"/>
+              </a:ext>
+            </a:extLst>
+          </p:cNvPr>
+          <p:cNvSpPr txBox="1"/>
+          <p:nvPr/>
+        </p:nvSpPr>
+        <p:spPr>
+          <a:xfrm>
+            <a:off x="367997" y="5951443"/>
+            <a:ext cx="2996205" cy="276999"/>
+          </a:xfrm>
+          <a:prstGeom prst="rect">
+            <a:avLst/>
+          </a:prstGeom>
+          <a:noFill/>
+        </p:spPr>
+        <p:txBody>
+          <a:bodyPr wrap="none" rtlCol="0">
+            <a:spAutoFit/>
+          </a:bodyPr>
+          <a:lstStyle/>
+          <a:p>
+            <a:r>
+              <a:rPr lang="en-US" altLang="ko-KR" sz="1200" dirty="0"/>
+              <a:t>Real-Time Detection Model Comparison</a:t>
+            </a:r>
+            <a:endParaRPr lang="ko-KR" altLang="en-US" sz="1200" dirty="0"/>
+          </a:p>
+        </p:txBody>
+      </p:sp>
+      <p:pic>
+        <p:nvPicPr>
+          <p:cNvPr id="17" name="그림 16" descr="테이블이(가) 표시된 사진&#10;&#10;자동 생성된 설명">
+            <a:extLst>
+              <a:ext uri="{FF2B5EF4-FFF2-40B4-BE49-F238E27FC236}">
+                <a16:creationId xmlns:a16="http://schemas.microsoft.com/office/drawing/2014/main" id="{19B1AD00-0A50-4A57-BA8D-906FE870CFDC}"/>
+              </a:ext>
+            </a:extLst>
+          </p:cNvPr>
+          <p:cNvPicPr>
+            <a:picLocks noChangeAspect="1"/>
+          </p:cNvPicPr>
+          <p:nvPr/>
+        </p:nvPicPr>
+        <p:blipFill>
+          <a:blip r:embed="rId2" cstate="print">
+            <a:extLst>
+              <a:ext uri="{28A0092B-C50C-407E-A947-70E740481C1C}">
+                <a14:useLocalDpi xmlns:a14="http://schemas.microsoft.com/office/drawing/2010/main" val="0"/>
+              </a:ext>
+            </a:extLst>
+          </a:blip>
+          <a:stretch>
+            <a:fillRect/>
+          </a:stretch>
+        </p:blipFill>
+        <p:spPr>
+          <a:xfrm>
+            <a:off x="510204" y="3751187"/>
+            <a:ext cx="3324561" cy="2200255"/>
+          </a:xfrm>
+          <a:prstGeom prst="rect">
+            <a:avLst/>
+          </a:prstGeom>
+        </p:spPr>
+      </p:pic>
+      <p:sp>
+        <p:nvSpPr>
+          <p:cNvPr id="2" name="TextBox 1">
+            <a:extLst>
+              <a:ext uri="{FF2B5EF4-FFF2-40B4-BE49-F238E27FC236}">
+                <a16:creationId xmlns:a16="http://schemas.microsoft.com/office/drawing/2014/main" id="{1C532A1A-C7D2-4970-8051-397CE0F58416}"/>
+              </a:ext>
+            </a:extLst>
+          </p:cNvPr>
+          <p:cNvSpPr txBox="1"/>
+          <p:nvPr/>
+        </p:nvSpPr>
+        <p:spPr>
+          <a:xfrm>
+            <a:off x="5368390" y="6031478"/>
+            <a:ext cx="6455613" cy="215444"/>
+          </a:xfrm>
+          <a:prstGeom prst="rect">
+            <a:avLst/>
+          </a:prstGeom>
+          <a:noFill/>
+        </p:spPr>
+        <p:txBody>
+          <a:bodyPr wrap="none" rtlCol="0">
+            <a:spAutoFit/>
+          </a:bodyPr>
+          <a:lstStyle/>
+          <a:p>
+            <a:r>
+              <a:rPr lang="ko-KR" altLang="en-US" sz="800" b="1" dirty="0">
+                <a:solidFill>
+                  <a:srgbClr val="000000"/>
+                </a:solidFill>
+                <a:latin typeface="맑은 고딕" panose="020B0503020000020004" pitchFamily="50" charset="-127"/>
+                <a:ea typeface="맑은 고딕" panose="020B0503020000020004" pitchFamily="50" charset="-127"/>
+              </a:rPr>
+              <a:t>참고 </a:t>
+            </a:r>
+            <a:r>
+              <a:rPr lang="en-US" altLang="ko-KR" sz="800" b="1" dirty="0">
+                <a:solidFill>
+                  <a:srgbClr val="000000"/>
+                </a:solidFill>
+                <a:latin typeface="맑은 고딕" panose="020B0503020000020004" pitchFamily="50" charset="-127"/>
+                <a:ea typeface="맑은 고딕" panose="020B0503020000020004" pitchFamily="50" charset="-127"/>
+              </a:rPr>
+              <a:t>: </a:t>
+            </a:r>
+            <a:r>
+              <a:rPr lang="ko-KR" altLang="en-US" sz="800" b="1" i="0" dirty="0">
+                <a:solidFill>
+                  <a:srgbClr val="000000"/>
+                </a:solidFill>
+                <a:effectLst/>
+                <a:latin typeface="맑은 고딕" panose="020B0503020000020004" pitchFamily="50" charset="-127"/>
+                <a:ea typeface="맑은 고딕" panose="020B0503020000020004" pitchFamily="50" charset="-127"/>
+              </a:rPr>
+              <a:t>이용환</a:t>
+            </a:r>
+            <a:r>
+              <a:rPr lang="en-US" altLang="ko-KR" sz="800" b="1" i="0" dirty="0">
+                <a:solidFill>
+                  <a:srgbClr val="000000"/>
+                </a:solidFill>
+                <a:effectLst/>
+                <a:latin typeface="맑은 고딕" panose="020B0503020000020004" pitchFamily="50" charset="-127"/>
+                <a:ea typeface="맑은 고딕" panose="020B0503020000020004" pitchFamily="50" charset="-127"/>
+              </a:rPr>
+              <a:t>(</a:t>
+            </a:r>
+            <a:r>
+              <a:rPr lang="ko-KR" altLang="en-US" sz="800" b="1" dirty="0"/>
+              <a:t>원광대학교 </a:t>
+            </a:r>
+            <a:r>
+              <a:rPr lang="ko-KR" altLang="en-US" sz="800" b="1" dirty="0" err="1"/>
+              <a:t>디지털콘텐츠공학과</a:t>
+            </a:r>
+            <a:r>
+              <a:rPr lang="en-US" altLang="ko-KR" sz="800" b="1" i="0" dirty="0">
+                <a:solidFill>
+                  <a:srgbClr val="000000"/>
+                </a:solidFill>
+                <a:effectLst/>
+                <a:latin typeface="맑은 고딕" panose="020B0503020000020004" pitchFamily="50" charset="-127"/>
+                <a:ea typeface="맑은 고딕" panose="020B0503020000020004" pitchFamily="50" charset="-127"/>
+              </a:rPr>
+              <a:t>), </a:t>
+            </a:r>
+            <a:r>
+              <a:rPr lang="ko-KR" altLang="en-US" sz="800" b="1" dirty="0">
+                <a:solidFill>
+                  <a:srgbClr val="000000"/>
+                </a:solidFill>
+                <a:latin typeface="맑은 고딕" panose="020B0503020000020004" pitchFamily="50" charset="-127"/>
+                <a:ea typeface="맑은 고딕" panose="020B0503020000020004" pitchFamily="50" charset="-127"/>
+              </a:rPr>
+              <a:t>김영섭</a:t>
+            </a:r>
+            <a:r>
+              <a:rPr lang="en-US" altLang="ko-KR" sz="800" b="1" dirty="0">
+                <a:solidFill>
+                  <a:srgbClr val="000000"/>
+                </a:solidFill>
+                <a:latin typeface="맑은 고딕" panose="020B0503020000020004" pitchFamily="50" charset="-127"/>
+                <a:ea typeface="맑은 고딕" panose="020B0503020000020004" pitchFamily="50" charset="-127"/>
+              </a:rPr>
+              <a:t>(</a:t>
+            </a:r>
+            <a:r>
+              <a:rPr lang="ko-KR" altLang="en-US" sz="800" b="1" dirty="0"/>
+              <a:t>단국대학교 전자전기공학부</a:t>
+            </a:r>
+            <a:r>
+              <a:rPr lang="en-US" altLang="ko-KR" sz="800" b="1" dirty="0">
+                <a:solidFill>
+                  <a:srgbClr val="000000"/>
+                </a:solidFill>
+                <a:latin typeface="맑은 고딕" panose="020B0503020000020004" pitchFamily="50" charset="-127"/>
+                <a:ea typeface="맑은 고딕" panose="020B0503020000020004" pitchFamily="50" charset="-127"/>
+              </a:rPr>
+              <a:t>)</a:t>
+            </a:r>
+            <a:r>
+              <a:rPr lang="en-US" altLang="ko-KR" sz="800" b="1" i="0" dirty="0">
+                <a:solidFill>
+                  <a:srgbClr val="000000"/>
+                </a:solidFill>
+                <a:effectLst/>
+                <a:latin typeface="맑은 고딕" panose="020B0503020000020004" pitchFamily="50" charset="-127"/>
+                <a:ea typeface="맑은 고딕" panose="020B0503020000020004" pitchFamily="50" charset="-127"/>
+              </a:rPr>
+              <a:t>, "</a:t>
+            </a:r>
+            <a:r>
+              <a:rPr lang="ko-KR" altLang="en-US" sz="800" b="1" dirty="0"/>
+              <a:t> 객체 검출을 위한 </a:t>
+            </a:r>
+            <a:r>
+              <a:rPr lang="en-US" altLang="ko-KR" sz="800" b="1" dirty="0"/>
+              <a:t>CNN</a:t>
+            </a:r>
+            <a:r>
+              <a:rPr lang="ko-KR" altLang="en-US" sz="800" b="1" dirty="0"/>
+              <a:t>과 </a:t>
+            </a:r>
+            <a:r>
+              <a:rPr lang="en-US" altLang="ko-KR" sz="800" b="1" dirty="0"/>
+              <a:t>YOLO </a:t>
+            </a:r>
+            <a:r>
+              <a:rPr lang="ko-KR" altLang="en-US" sz="800" b="1" dirty="0"/>
+              <a:t>성능 비교 실험</a:t>
+            </a:r>
+            <a:r>
+              <a:rPr lang="ko-KR" altLang="en-US" sz="800" b="1" i="0" dirty="0">
+                <a:solidFill>
+                  <a:srgbClr val="000000"/>
+                </a:solidFill>
+                <a:effectLst/>
+                <a:latin typeface="맑은 고딕" panose="020B0503020000020004" pitchFamily="50" charset="-127"/>
+                <a:ea typeface="맑은 고딕" panose="020B0503020000020004" pitchFamily="50" charset="-127"/>
+              </a:rPr>
+              <a:t>”</a:t>
+            </a:r>
+            <a:endParaRPr lang="ko-KR" altLang="en-US" sz="800" b="1" dirty="0"/>
+          </a:p>
+        </p:txBody>
+      </p:sp>
+      <p:sp>
+        <p:nvSpPr>
+          <p:cNvPr id="3" name="TextBox 2">
+            <a:extLst>
+              <a:ext uri="{FF2B5EF4-FFF2-40B4-BE49-F238E27FC236}">
+                <a16:creationId xmlns:a16="http://schemas.microsoft.com/office/drawing/2014/main" id="{1FE1C3EB-6F7A-4CA7-A287-968717D0EE1C}"/>
+              </a:ext>
+            </a:extLst>
+          </p:cNvPr>
+          <p:cNvSpPr txBox="1"/>
+          <p:nvPr/>
+        </p:nvSpPr>
+        <p:spPr>
+          <a:xfrm>
+            <a:off x="1130351" y="1992360"/>
+            <a:ext cx="10385374" cy="1169551"/>
+          </a:xfrm>
+          <a:prstGeom prst="rect">
+            <a:avLst/>
+          </a:prstGeom>
+          <a:noFill/>
+        </p:spPr>
+        <p:txBody>
+          <a:bodyPr wrap="square" rtlCol="0">
+            <a:spAutoFit/>
+          </a:bodyPr>
+          <a:lstStyle/>
+          <a:p>
+            <a:r>
+              <a:rPr lang="en-US" altLang="ko-KR" sz="1400" dirty="0"/>
+              <a:t>2-Stage</a:t>
+            </a:r>
+            <a:r>
+              <a:rPr lang="ko-KR" altLang="en-US" sz="1400" dirty="0"/>
+              <a:t> </a:t>
+            </a:r>
+            <a:r>
+              <a:rPr lang="en-US" altLang="ko-KR" sz="1400" dirty="0"/>
+              <a:t>Detector</a:t>
+            </a:r>
+            <a:r>
+              <a:rPr lang="ko-KR" altLang="en-US" sz="1400" dirty="0"/>
+              <a:t>인 </a:t>
+            </a:r>
+            <a:r>
+              <a:rPr lang="en-US" altLang="ko-KR" sz="1400" dirty="0"/>
+              <a:t>CNN</a:t>
+            </a:r>
+            <a:r>
+              <a:rPr lang="ko-KR" altLang="en-US" sz="1400" dirty="0"/>
+              <a:t>과 </a:t>
+            </a:r>
+            <a:r>
+              <a:rPr lang="en-US" altLang="ko-KR" sz="1400" dirty="0"/>
+              <a:t>1-Stage</a:t>
+            </a:r>
+            <a:r>
+              <a:rPr lang="ko-KR" altLang="en-US" sz="1400" dirty="0"/>
+              <a:t> </a:t>
+            </a:r>
+            <a:r>
+              <a:rPr lang="en-US" altLang="ko-KR" sz="1400" dirty="0"/>
+              <a:t>Detector</a:t>
+            </a:r>
+            <a:r>
+              <a:rPr lang="ko-KR" altLang="en-US" sz="1400" dirty="0"/>
+              <a:t>인 </a:t>
+            </a:r>
+            <a:r>
+              <a:rPr lang="en-US" altLang="ko-KR" sz="1400" dirty="0"/>
+              <a:t>YOLO</a:t>
+            </a:r>
+            <a:r>
+              <a:rPr lang="ko-KR" altLang="en-US" sz="1400" dirty="0"/>
+              <a:t>의 </a:t>
+            </a:r>
+            <a:r>
+              <a:rPr lang="en-US" altLang="ko-KR" sz="1400" dirty="0"/>
+              <a:t>Real Time Detect </a:t>
+            </a:r>
+            <a:r>
+              <a:rPr lang="ko-KR" altLang="en-US" sz="1400" dirty="0"/>
+              <a:t>성능을 비교해보자면 </a:t>
+            </a:r>
+            <a:r>
+              <a:rPr lang="en-US" altLang="ko-KR" sz="1400" dirty="0"/>
+              <a:t>CNN</a:t>
+            </a:r>
+            <a:r>
+              <a:rPr lang="ko-KR" altLang="en-US" sz="1400" dirty="0"/>
+              <a:t>모델 같은</a:t>
+            </a:r>
+            <a:endParaRPr lang="en-US" altLang="ko-KR" sz="1400" dirty="0"/>
+          </a:p>
+          <a:p>
+            <a:r>
+              <a:rPr lang="ko-KR" altLang="en-US" sz="1400" dirty="0"/>
+              <a:t>경우 </a:t>
+            </a:r>
+            <a:r>
+              <a:rPr lang="en-US" altLang="ko-KR" sz="1400" dirty="0"/>
+              <a:t>FPS</a:t>
+            </a:r>
+            <a:r>
+              <a:rPr lang="ko-KR" altLang="en-US" sz="1400" dirty="0"/>
+              <a:t>가 최고 </a:t>
+            </a:r>
+            <a:r>
+              <a:rPr lang="en-US" altLang="ko-KR" sz="1400" dirty="0"/>
+              <a:t>21</a:t>
+            </a:r>
+            <a:r>
+              <a:rPr lang="ko-KR" altLang="en-US" sz="1400" dirty="0"/>
+              <a:t>에서 최저 </a:t>
+            </a:r>
+            <a:r>
+              <a:rPr lang="en-US" altLang="ko-KR" sz="1400" dirty="0"/>
+              <a:t>0.5</a:t>
+            </a:r>
+            <a:r>
+              <a:rPr lang="ko-KR" altLang="en-US" sz="1400" dirty="0"/>
+              <a:t> 정도로 보이지만 </a:t>
+            </a:r>
+            <a:r>
+              <a:rPr lang="en-US" altLang="ko-KR" sz="1400" dirty="0"/>
+              <a:t>YOLO</a:t>
+            </a:r>
+            <a:r>
+              <a:rPr lang="ko-KR" altLang="en-US" sz="1400" dirty="0"/>
+              <a:t>의 경우 최고 </a:t>
+            </a:r>
+            <a:r>
+              <a:rPr lang="en-US" altLang="ko-KR" sz="1400" dirty="0"/>
+              <a:t>155</a:t>
+            </a:r>
+            <a:r>
+              <a:rPr lang="ko-KR" altLang="en-US" sz="1400" dirty="0"/>
+              <a:t>에서 최저 </a:t>
+            </a:r>
+            <a:r>
+              <a:rPr lang="en-US" altLang="ko-KR" sz="1400" dirty="0"/>
+              <a:t>40 </a:t>
+            </a:r>
+            <a:r>
+              <a:rPr lang="ko-KR" altLang="en-US" sz="1400" dirty="0"/>
+              <a:t>정도에 </a:t>
+            </a:r>
+            <a:r>
+              <a:rPr lang="en-US" altLang="ko-KR" sz="1400" dirty="0"/>
+              <a:t>FPS</a:t>
+            </a:r>
+            <a:r>
+              <a:rPr lang="ko-KR" altLang="en-US" sz="1400" dirty="0"/>
+              <a:t>를 유지한다</a:t>
+            </a:r>
+            <a:r>
+              <a:rPr lang="en-US" altLang="ko-KR" sz="1400" dirty="0"/>
+              <a:t>.</a:t>
+            </a:r>
+          </a:p>
+          <a:p>
+            <a:endParaRPr lang="en-US" altLang="ko-KR" sz="1400" dirty="0"/>
+          </a:p>
+          <a:p>
+            <a:r>
+              <a:rPr lang="ko-KR" altLang="en-US" sz="1400" dirty="0"/>
+              <a:t>따라서</a:t>
+            </a:r>
+            <a:r>
+              <a:rPr lang="en-US" altLang="ko-KR" sz="1400" dirty="0"/>
+              <a:t>, </a:t>
+            </a:r>
+            <a:r>
+              <a:rPr lang="ko-KR" altLang="en-US" sz="1400" dirty="0"/>
+              <a:t>실시간 객체 탐지에서는 </a:t>
+            </a:r>
+            <a:r>
+              <a:rPr lang="en-US" altLang="ko-KR" sz="1400" dirty="0"/>
+              <a:t>2-Stage</a:t>
+            </a:r>
+            <a:r>
+              <a:rPr lang="ko-KR" altLang="en-US" sz="1400" dirty="0"/>
+              <a:t> </a:t>
+            </a:r>
+            <a:r>
+              <a:rPr lang="en-US" altLang="ko-KR" sz="1400" dirty="0"/>
+              <a:t>Detector </a:t>
+            </a:r>
+            <a:r>
+              <a:rPr lang="ko-KR" altLang="en-US" sz="1400" dirty="0"/>
+              <a:t>의 이점을 포기하더라도 </a:t>
+            </a:r>
+            <a:r>
+              <a:rPr lang="en-US" altLang="ko-KR" sz="1400" dirty="0"/>
+              <a:t>FPS</a:t>
+            </a:r>
+            <a:r>
+              <a:rPr lang="ko-KR" altLang="en-US" sz="1400" dirty="0"/>
+              <a:t>가 높은 </a:t>
+            </a:r>
+            <a:r>
+              <a:rPr lang="en-US" altLang="ko-KR" sz="1400" dirty="0"/>
+              <a:t>1-Stage</a:t>
+            </a:r>
+            <a:r>
+              <a:rPr lang="ko-KR" altLang="en-US" sz="1400" dirty="0"/>
+              <a:t> </a:t>
+            </a:r>
+            <a:r>
+              <a:rPr lang="en-US" altLang="ko-KR" sz="1400" dirty="0"/>
+              <a:t>Detector</a:t>
+            </a:r>
+            <a:r>
+              <a:rPr lang="ko-KR" altLang="en-US" sz="1400" dirty="0"/>
+              <a:t>인 </a:t>
+            </a:r>
+            <a:r>
+              <a:rPr lang="en-US" altLang="ko-KR" sz="1400" dirty="0"/>
+              <a:t>YOLO </a:t>
+            </a:r>
+            <a:r>
+              <a:rPr lang="ko-KR" altLang="en-US" sz="1400" dirty="0"/>
+              <a:t>모델을 적용</a:t>
+            </a:r>
+            <a:endParaRPr lang="en-US" altLang="ko-KR" sz="1400" dirty="0"/>
+          </a:p>
+          <a:p>
+            <a:r>
+              <a:rPr lang="ko-KR" altLang="en-US" sz="1400" dirty="0"/>
+              <a:t>하는 것이 적합해 보인다</a:t>
+            </a:r>
+            <a:r>
+              <a:rPr lang="en-US" altLang="ko-KR" sz="1400" dirty="0"/>
+              <a:t>.</a:t>
+            </a:r>
+          </a:p>
+        </p:txBody>
+      </p:sp>
+    </p:spTree>
+    <p:extLst>
+      <p:ext uri="{BB962C8B-B14F-4D97-AF65-F5344CB8AC3E}">
+        <p14:creationId xmlns:p14="http://schemas.microsoft.com/office/powerpoint/2010/main" val="3852614026"/>
+      </p:ext>
+    </p:extLst>
+  </p:cSld>
+  <p:clrMapOvr>
+    <a:masterClrMapping/>
+  </p:clrMapOvr>
+</p:sld>
+</file>
+
+<file path=ppt/slides/slide13.xml><?xml version="1.0" encoding="utf-8"?>
+<p:sld xmlns:a="http://schemas.openxmlformats.org/drawingml/2006/main" xmlns:r="http://schemas.openxmlformats.org/officeDocument/2006/relationships" xmlns:p="http://schemas.openxmlformats.org/presentationml/2006/main">
+  <p:cSld>
+    <p:spTree>
+      <p:nvGrpSpPr>
+        <p:cNvPr id="1" name=""/>
+        <p:cNvGrpSpPr/>
+        <p:nvPr/>
+      </p:nvGrpSpPr>
+      <p:grpSpPr>
+        <a:xfrm>
+          <a:off x="0" y="0"/>
+          <a:ext cx="0" cy="0"/>
+          <a:chOff x="0" y="0"/>
+          <a:chExt cx="0" cy="0"/>
+        </a:xfrm>
+      </p:grpSpPr>
+      <p:sp>
+        <p:nvSpPr>
+          <p:cNvPr id="4" name="TextBox 3"/>
+          <p:cNvSpPr txBox="1"/>
+          <p:nvPr/>
+        </p:nvSpPr>
+        <p:spPr>
+          <a:xfrm>
+            <a:off x="449943" y="629558"/>
+            <a:ext cx="1210588" cy="400110"/>
+          </a:xfrm>
+          <a:prstGeom prst="rect">
+            <a:avLst/>
+          </a:prstGeom>
+          <a:noFill/>
+        </p:spPr>
+        <p:txBody>
+          <a:bodyPr wrap="none" rtlCol="0">
+            <a:spAutoFit/>
+          </a:bodyPr>
+          <a:lstStyle/>
+          <a:p>
+            <a:r>
+              <a:rPr lang="ko-KR" altLang="en-US" sz="2000" b="1" dirty="0"/>
+              <a:t>구현계획</a:t>
+            </a:r>
+          </a:p>
+        </p:txBody>
+      </p:sp>
+      <p:sp>
+        <p:nvSpPr>
+          <p:cNvPr id="11" name="직사각형 10"/>
+          <p:cNvSpPr/>
+          <p:nvPr/>
+        </p:nvSpPr>
+        <p:spPr>
+          <a:xfrm>
+            <a:off x="319314" y="161924"/>
+            <a:ext cx="995136" cy="376919"/>
+          </a:xfrm>
+          <a:prstGeom prst="rect">
+            <a:avLst/>
+          </a:prstGeom>
+          <a:solidFill>
+            <a:srgbClr val="0070C0"/>
+          </a:solidFill>
+          <a:ln>
+            <a:noFill/>
+          </a:ln>
+        </p:spPr>
+        <p:style>
+          <a:lnRef idx="2">
+            <a:schemeClr val="accent1">
+              <a:shade val="50000"/>
+            </a:schemeClr>
+          </a:lnRef>
+          <a:fillRef idx="1">
+            <a:schemeClr val="accent1"/>
+          </a:fillRef>
+          <a:effectRef idx="0">
+            <a:schemeClr val="accent1"/>
+          </a:effectRef>
+          <a:fontRef idx="minor">
+            <a:schemeClr val="lt1"/>
+          </a:fontRef>
+        </p:style>
+        <p:txBody>
+          <a:bodyPr rtlCol="0" anchor="ctr"/>
+          <a:lstStyle/>
+          <a:p>
+            <a:pPr algn="ctr"/>
+            <a:endParaRPr lang="ko-KR" altLang="en-US"/>
+          </a:p>
+        </p:txBody>
+      </p:sp>
+      <p:sp>
+        <p:nvSpPr>
+          <p:cNvPr id="14" name="타원 13"/>
+          <p:cNvSpPr/>
+          <p:nvPr/>
+        </p:nvSpPr>
+        <p:spPr>
+          <a:xfrm>
+            <a:off x="561638" y="1064986"/>
+            <a:ext cx="72000" cy="72000"/>
+          </a:xfrm>
+          <a:prstGeom prst="ellipse">
+            <a:avLst/>
+          </a:prstGeom>
+          <a:solidFill>
+            <a:srgbClr val="002060"/>
+          </a:solidFill>
+          <a:ln>
+            <a:noFill/>
+          </a:ln>
+        </p:spPr>
+        <p:style>
+          <a:lnRef idx="2">
+            <a:schemeClr val="accent1">
+              <a:shade val="50000"/>
+            </a:schemeClr>
+          </a:lnRef>
+          <a:fillRef idx="1">
+            <a:schemeClr val="accent1"/>
+          </a:fillRef>
+          <a:effectRef idx="0">
+            <a:schemeClr val="accent1"/>
+          </a:effectRef>
+          <a:fontRef idx="minor">
+            <a:schemeClr val="lt1"/>
+          </a:fontRef>
+        </p:style>
+        <p:txBody>
+          <a:bodyPr rtlCol="0" anchor="ctr"/>
+          <a:lstStyle/>
+          <a:p>
+            <a:pPr algn="ctr"/>
+            <a:endParaRPr lang="ko-KR" altLang="en-US" sz="1600"/>
+          </a:p>
+        </p:txBody>
+      </p:sp>
+      <p:sp>
+        <p:nvSpPr>
+          <p:cNvPr id="15" name="타원 14"/>
+          <p:cNvSpPr/>
+          <p:nvPr/>
+        </p:nvSpPr>
+        <p:spPr>
+          <a:xfrm>
+            <a:off x="723122" y="1064986"/>
+            <a:ext cx="72000" cy="72000"/>
+          </a:xfrm>
+          <a:prstGeom prst="ellipse">
+            <a:avLst/>
+          </a:prstGeom>
+          <a:solidFill>
+            <a:srgbClr val="0070C0"/>
+          </a:solidFill>
+          <a:ln>
+            <a:noFill/>
+          </a:ln>
+        </p:spPr>
+        <p:style>
+          <a:lnRef idx="2">
+            <a:schemeClr val="accent1">
+              <a:shade val="50000"/>
+            </a:schemeClr>
+          </a:lnRef>
+          <a:fillRef idx="1">
+            <a:schemeClr val="accent1"/>
+          </a:fillRef>
+          <a:effectRef idx="0">
+            <a:schemeClr val="accent1"/>
+          </a:effectRef>
+          <a:fontRef idx="minor">
+            <a:schemeClr val="lt1"/>
+          </a:fontRef>
+        </p:style>
+        <p:txBody>
+          <a:bodyPr rtlCol="0" anchor="ctr"/>
+          <a:lstStyle/>
+          <a:p>
+            <a:pPr algn="ctr"/>
+            <a:endParaRPr lang="ko-KR" altLang="en-US" sz="1600"/>
+          </a:p>
+        </p:txBody>
+      </p:sp>
+      <p:sp>
+        <p:nvSpPr>
+          <p:cNvPr id="16" name="타원 15"/>
+          <p:cNvSpPr/>
+          <p:nvPr/>
+        </p:nvSpPr>
+        <p:spPr>
+          <a:xfrm>
+            <a:off x="884606" y="1064986"/>
+            <a:ext cx="72000" cy="72000"/>
+          </a:xfrm>
+          <a:prstGeom prst="ellipse">
+            <a:avLst/>
+          </a:prstGeom>
+          <a:solidFill>
+            <a:srgbClr val="00B0F0"/>
+          </a:solidFill>
+          <a:ln>
+            <a:noFill/>
+          </a:ln>
+        </p:spPr>
+        <p:style>
+          <a:lnRef idx="2">
+            <a:schemeClr val="accent1">
+              <a:shade val="50000"/>
+            </a:schemeClr>
+          </a:lnRef>
+          <a:fillRef idx="1">
+            <a:schemeClr val="accent1"/>
+          </a:fillRef>
+          <a:effectRef idx="0">
+            <a:schemeClr val="accent1"/>
+          </a:effectRef>
+          <a:fontRef idx="minor">
+            <a:schemeClr val="lt1"/>
+          </a:fontRef>
+        </p:style>
+        <p:txBody>
+          <a:bodyPr rtlCol="0" anchor="ctr"/>
+          <a:lstStyle/>
+          <a:p>
+            <a:pPr algn="ctr"/>
+            <a:endParaRPr lang="ko-KR" altLang="en-US" sz="1600"/>
+          </a:p>
+        </p:txBody>
+      </p:sp>
+      <p:grpSp>
+        <p:nvGrpSpPr>
+          <p:cNvPr id="18" name="그룹 17">
+            <a:extLst>
+              <a:ext uri="{FF2B5EF4-FFF2-40B4-BE49-F238E27FC236}">
+                <a16:creationId xmlns:a16="http://schemas.microsoft.com/office/drawing/2014/main" id="{31ACFD83-3FD1-4203-864A-A149A244F486}"/>
+              </a:ext>
+            </a:extLst>
+          </p:cNvPr>
+          <p:cNvGrpSpPr/>
+          <p:nvPr/>
+        </p:nvGrpSpPr>
+        <p:grpSpPr>
+          <a:xfrm>
+            <a:off x="7700833" y="611078"/>
+            <a:ext cx="3871229" cy="276999"/>
+            <a:chOff x="7700833" y="609794"/>
+            <a:chExt cx="3871229" cy="276999"/>
+          </a:xfrm>
+        </p:grpSpPr>
+        <p:sp>
+          <p:nvSpPr>
+            <p:cNvPr id="19" name="TextBox 18">
+              <a:extLst>
+                <a:ext uri="{FF2B5EF4-FFF2-40B4-BE49-F238E27FC236}">
+                  <a16:creationId xmlns:a16="http://schemas.microsoft.com/office/drawing/2014/main" id="{E7E1F318-6CE2-418E-872D-D899891BAE52}"/>
+                </a:ext>
+              </a:extLst>
+            </p:cNvPr>
+            <p:cNvSpPr txBox="1"/>
+            <p:nvPr/>
+          </p:nvSpPr>
+          <p:spPr>
+            <a:xfrm>
+              <a:off x="7700833" y="609794"/>
+              <a:ext cx="1162499" cy="276999"/>
+            </a:xfrm>
+            <a:prstGeom prst="rect">
+              <a:avLst/>
+            </a:prstGeom>
+            <a:noFill/>
+          </p:spPr>
+          <p:txBody>
+            <a:bodyPr wrap="none" rtlCol="0" anchor="ctr">
+              <a:spAutoFit/>
+            </a:bodyPr>
+            <a:lstStyle/>
+            <a:p>
+              <a:pPr algn="ctr"/>
+              <a:r>
+                <a:rPr lang="ko-KR" altLang="en-US" sz="1200" b="1" dirty="0">
+                  <a:latin typeface="나눔스퀘어 Bold" panose="020B0600000101010101" pitchFamily="50" charset="-127"/>
+                  <a:ea typeface="나눔스퀘어 Bold" panose="020B0600000101010101" pitchFamily="50" charset="-127"/>
+                </a:rPr>
+                <a:t>프로젝트 소개</a:t>
+              </a:r>
+            </a:p>
+          </p:txBody>
+        </p:sp>
+        <p:sp>
+          <p:nvSpPr>
+            <p:cNvPr id="20" name="TextBox 19">
+              <a:extLst>
+                <a:ext uri="{FF2B5EF4-FFF2-40B4-BE49-F238E27FC236}">
+                  <a16:creationId xmlns:a16="http://schemas.microsoft.com/office/drawing/2014/main" id="{DED87E3E-4C56-4356-A7EA-18CD0DC9A562}"/>
+                </a:ext>
+              </a:extLst>
+            </p:cNvPr>
+            <p:cNvSpPr txBox="1"/>
+            <p:nvPr/>
+          </p:nvSpPr>
+          <p:spPr>
+            <a:xfrm>
+              <a:off x="9072032" y="609794"/>
+              <a:ext cx="492444" cy="276999"/>
+            </a:xfrm>
+            <a:prstGeom prst="rect">
+              <a:avLst/>
+            </a:prstGeom>
+            <a:noFill/>
+          </p:spPr>
+          <p:txBody>
+            <a:bodyPr wrap="none" rtlCol="0" anchor="ctr">
+              <a:spAutoFit/>
+            </a:bodyPr>
+            <a:lstStyle/>
+            <a:p>
+              <a:pPr algn="ctr"/>
+              <a:r>
+                <a:rPr lang="ko-KR" altLang="en-US" sz="1200" b="1" dirty="0">
+                  <a:latin typeface="나눔스퀘어 Bold" panose="020B0600000101010101" pitchFamily="50" charset="-127"/>
+                  <a:ea typeface="나눔스퀘어 Bold" panose="020B0600000101010101" pitchFamily="50" charset="-127"/>
+                </a:rPr>
+                <a:t>문제</a:t>
+              </a:r>
+            </a:p>
+          </p:txBody>
+        </p:sp>
+        <p:sp>
+          <p:nvSpPr>
+            <p:cNvPr id="21" name="TextBox 20">
+              <a:extLst>
+                <a:ext uri="{FF2B5EF4-FFF2-40B4-BE49-F238E27FC236}">
+                  <a16:creationId xmlns:a16="http://schemas.microsoft.com/office/drawing/2014/main" id="{70EA2796-5241-45FD-8E0D-5ABEFE99ACD7}"/>
+                </a:ext>
+              </a:extLst>
+            </p:cNvPr>
+            <p:cNvSpPr txBox="1"/>
+            <p:nvPr/>
+          </p:nvSpPr>
+          <p:spPr>
+            <a:xfrm>
+              <a:off x="9931044" y="609794"/>
+              <a:ext cx="800219" cy="276999"/>
+            </a:xfrm>
+            <a:prstGeom prst="rect">
+              <a:avLst/>
+            </a:prstGeom>
+            <a:noFill/>
+          </p:spPr>
+          <p:txBody>
+            <a:bodyPr wrap="none" rtlCol="0" anchor="ctr">
+              <a:spAutoFit/>
+            </a:bodyPr>
+            <a:lstStyle/>
+            <a:p>
+              <a:pPr algn="ctr"/>
+              <a:r>
+                <a:rPr lang="ko-KR" altLang="en-US" sz="1200" b="1" dirty="0">
+                  <a:solidFill>
+                    <a:srgbClr val="0070C0"/>
+                  </a:solidFill>
+                  <a:latin typeface="나눔스퀘어 Bold" panose="020B0600000101010101" pitchFamily="50" charset="-127"/>
+                  <a:ea typeface="나눔스퀘어 Bold" panose="020B0600000101010101" pitchFamily="50" charset="-127"/>
+                </a:rPr>
+                <a:t>구현계획</a:t>
+              </a:r>
+            </a:p>
+          </p:txBody>
+        </p:sp>
+        <p:sp>
+          <p:nvSpPr>
+            <p:cNvPr id="22" name="TextBox 21">
+              <a:extLst>
+                <a:ext uri="{FF2B5EF4-FFF2-40B4-BE49-F238E27FC236}">
+                  <a16:creationId xmlns:a16="http://schemas.microsoft.com/office/drawing/2014/main" id="{E7931066-70D7-465D-B4C2-4AD2F5355E70}"/>
+                </a:ext>
+              </a:extLst>
+            </p:cNvPr>
+            <p:cNvSpPr txBox="1"/>
+            <p:nvPr/>
+          </p:nvSpPr>
+          <p:spPr>
+            <a:xfrm>
+              <a:off x="11079618" y="609794"/>
+              <a:ext cx="492444" cy="276999"/>
+            </a:xfrm>
+            <a:prstGeom prst="rect">
+              <a:avLst/>
+            </a:prstGeom>
+            <a:noFill/>
+          </p:spPr>
+          <p:txBody>
+            <a:bodyPr wrap="none" rtlCol="0" anchor="ctr">
+              <a:spAutoFit/>
+            </a:bodyPr>
+            <a:lstStyle/>
+            <a:p>
+              <a:pPr algn="ctr"/>
+              <a:r>
+                <a:rPr lang="ko-KR" altLang="en-US" sz="1200" b="1" dirty="0">
+                  <a:solidFill>
+                    <a:schemeClr val="tx1">
+                      <a:lumMod val="75000"/>
+                      <a:lumOff val="25000"/>
+                    </a:schemeClr>
+                  </a:solidFill>
+                  <a:latin typeface="나눔스퀘어 Bold" panose="020B0600000101010101" pitchFamily="50" charset="-127"/>
+                  <a:ea typeface="나눔스퀘어 Bold" panose="020B0600000101010101" pitchFamily="50" charset="-127"/>
+                </a:rPr>
+                <a:t>정리</a:t>
+              </a:r>
+            </a:p>
+          </p:txBody>
+        </p:sp>
+      </p:grpSp>
+      <p:sp>
+        <p:nvSpPr>
+          <p:cNvPr id="6" name="TextBox 5">
+            <a:extLst>
+              <a:ext uri="{FF2B5EF4-FFF2-40B4-BE49-F238E27FC236}">
+                <a16:creationId xmlns:a16="http://schemas.microsoft.com/office/drawing/2014/main" id="{00FF42F2-F577-4B7B-BF91-5086F1AB31AB}"/>
+              </a:ext>
+            </a:extLst>
+          </p:cNvPr>
+          <p:cNvSpPr txBox="1"/>
+          <p:nvPr/>
+        </p:nvSpPr>
+        <p:spPr>
+          <a:xfrm>
+            <a:off x="597638" y="1310959"/>
             <a:ext cx="1556836" cy="400110"/>
           </a:xfrm>
           <a:prstGeom prst="rect">
@@ -2079,7 +4661,7 @@
     </p:spTree>
     <p:extLst>
       <p:ext uri="{BB962C8B-B14F-4D97-AF65-F5344CB8AC3E}">
-        <p14:creationId xmlns:p14="http://schemas.microsoft.com/office/powerpoint/2010/main" val="1205969849"/>
+        <p14:creationId xmlns:p14="http://schemas.microsoft.com/office/powerpoint/2010/main" val="2690803075"/>
       </p:ext>
     </p:extLst>
   </p:cSld>
@@ -2089,7 +4671,7 @@
 </p:sld>
 </file>
 
-<file path=ppt/slides/slide11.xml><?xml version="1.0" encoding="utf-8"?>
+<file path=ppt/slides/slide14.xml><?xml version="1.0" encoding="utf-8"?>
 <p:sld xmlns:a="http://schemas.openxmlformats.org/drawingml/2006/main" xmlns:r="http://schemas.openxmlformats.org/officeDocument/2006/relationships" xmlns:p="http://schemas.openxmlformats.org/presentationml/2006/main">
   <p:cSld>
     <p:spTree>
@@ -2680,7 +5262,7 @@
 </p:sld>
 </file>
 
-<file path=ppt/slides/slide12.xml><?xml version="1.0" encoding="utf-8"?>
+<file path=ppt/slides/slide15.xml><?xml version="1.0" encoding="utf-8"?>
 <p:sld xmlns:a="http://schemas.openxmlformats.org/drawingml/2006/main" xmlns:r="http://schemas.openxmlformats.org/officeDocument/2006/relationships" xmlns:p="http://schemas.openxmlformats.org/presentationml/2006/main">
   <p:cSld>
     <p:spTree>
@@ -3092,139 +5674,6 @@
       </p:grpSp>
       <p:sp>
         <p:nvSpPr>
-          <p:cNvPr id="2" name="TextBox 1">
-            <a:extLst>
-              <a:ext uri="{FF2B5EF4-FFF2-40B4-BE49-F238E27FC236}">
-                <a16:creationId xmlns:a16="http://schemas.microsoft.com/office/drawing/2014/main" id="{4F258F78-3EA5-481E-B57B-532BD143C76A}"/>
-              </a:ext>
-            </a:extLst>
-          </p:cNvPr>
-          <p:cNvSpPr txBox="1"/>
-          <p:nvPr/>
-        </p:nvSpPr>
-        <p:spPr>
-          <a:xfrm>
-            <a:off x="1594535" y="2204162"/>
-            <a:ext cx="9213507" cy="2954655"/>
-          </a:xfrm>
-          <a:prstGeom prst="rect">
-            <a:avLst/>
-          </a:prstGeom>
-          <a:noFill/>
-        </p:spPr>
-        <p:txBody>
-          <a:bodyPr wrap="square" rtlCol="0">
-            <a:spAutoFit/>
-          </a:bodyPr>
-          <a:lstStyle/>
-          <a:p>
-            <a:r>
-              <a:rPr lang="ko-KR" altLang="en-US" sz="2400" b="1" dirty="0" err="1"/>
-              <a:t>권대휘</a:t>
-            </a:r>
-            <a:r>
-              <a:rPr lang="ko-KR" altLang="en-US" sz="2400" b="1" dirty="0"/>
-              <a:t> </a:t>
-            </a:r>
-            <a:r>
-              <a:rPr lang="en-US" altLang="ko-KR" sz="2400" b="1" dirty="0"/>
-              <a:t>: </a:t>
-            </a:r>
-            <a:r>
-              <a:rPr lang="ko-KR" altLang="en-US" sz="2400" b="1" dirty="0"/>
-              <a:t>데이터 수집 및 </a:t>
-            </a:r>
-            <a:r>
-              <a:rPr lang="ko-KR" altLang="en-US" sz="2400" b="1" dirty="0" err="1"/>
-              <a:t>라벨링</a:t>
-            </a:r>
-            <a:r>
-              <a:rPr lang="ko-KR" altLang="en-US" sz="2400" b="1" dirty="0"/>
-              <a:t> </a:t>
-            </a:r>
-            <a:endParaRPr lang="en-US" altLang="ko-KR" sz="2400" b="1" dirty="0"/>
-          </a:p>
-          <a:p>
-            <a:pPr marL="400050" indent="-400050">
-              <a:buFont typeface="+mj-lt"/>
-              <a:buAutoNum type="romanUcPeriod"/>
-            </a:pPr>
-            <a:endParaRPr lang="en-US" altLang="ko-KR" sz="2400" b="1" dirty="0"/>
-          </a:p>
-          <a:p>
-            <a:r>
-              <a:rPr lang="ko-KR" altLang="en-US" sz="2400" b="1" dirty="0"/>
-              <a:t>이승준 </a:t>
-            </a:r>
-            <a:r>
-              <a:rPr lang="en-US" altLang="ko-KR" sz="2400" b="1" dirty="0"/>
-              <a:t>: OpenCV , YOLO v3</a:t>
-            </a:r>
-            <a:r>
-              <a:rPr lang="ko-KR" altLang="en-US" sz="2400" b="1" dirty="0"/>
-              <a:t>를 통한</a:t>
-            </a:r>
-            <a:r>
-              <a:rPr lang="en-US" altLang="ko-KR" sz="2400" b="1" dirty="0"/>
-              <a:t> </a:t>
-            </a:r>
-            <a:r>
-              <a:rPr lang="ko-KR" altLang="en-US" sz="2400" b="1" dirty="0"/>
-              <a:t>가중치 생성 및 추출</a:t>
-            </a:r>
-            <a:endParaRPr lang="en-US" altLang="ko-KR" sz="2400" b="1" dirty="0"/>
-          </a:p>
-          <a:p>
-            <a:endParaRPr lang="en-US" altLang="ko-KR" sz="2400" b="1" dirty="0"/>
-          </a:p>
-          <a:p>
-            <a:r>
-              <a:rPr lang="ko-KR" altLang="en-US" sz="2400" b="1" dirty="0"/>
-              <a:t>장병희 </a:t>
-            </a:r>
-            <a:r>
-              <a:rPr lang="en-US" altLang="ko-KR" sz="2400" b="1" dirty="0"/>
-              <a:t>: </a:t>
-            </a:r>
-            <a:r>
-              <a:rPr lang="ko-KR" altLang="en-US" sz="2400" b="1" dirty="0"/>
-              <a:t>추출한 가중치를 </a:t>
-            </a:r>
-            <a:r>
-              <a:rPr lang="ko-KR" altLang="en-US" sz="2400" b="1" dirty="0" err="1"/>
-              <a:t>라즈베리파이에</a:t>
-            </a:r>
-            <a:r>
-              <a:rPr lang="ko-KR" altLang="en-US" sz="2400" b="1" dirty="0"/>
-              <a:t> 적용 및 최적화</a:t>
-            </a:r>
-            <a:endParaRPr lang="en-US" altLang="ko-KR" sz="2400" b="1" dirty="0"/>
-          </a:p>
-          <a:p>
-            <a:pPr marL="400050" indent="-400050">
-              <a:buFont typeface="+mj-lt"/>
-              <a:buAutoNum type="romanUcPeriod"/>
-            </a:pPr>
-            <a:endParaRPr lang="en-US" altLang="ko-KR" sz="2400" b="1" dirty="0"/>
-          </a:p>
-          <a:p>
-            <a:pPr marL="400050" indent="-400050">
-              <a:buFont typeface="+mj-lt"/>
-              <a:buAutoNum type="romanUcPeriod"/>
-            </a:pPr>
-            <a:endParaRPr lang="en-US" altLang="ko-KR" sz="2400" b="1" dirty="0"/>
-          </a:p>
-          <a:p>
-            <a:pPr marL="400050" indent="-400050">
-              <a:buFont typeface="+mj-lt"/>
-              <a:buAutoNum type="romanUcPeriod"/>
-            </a:pPr>
-            <a:endParaRPr lang="ko-KR" altLang="en-US" dirty="0"/>
-          </a:p>
-        </p:txBody>
-      </p:sp>
-      <p:sp>
-        <p:nvSpPr>
           <p:cNvPr id="13" name="TextBox 12">
             <a:extLst>
               <a:ext uri="{FF2B5EF4-FFF2-40B4-BE49-F238E27FC236}">
@@ -3258,6 +5707,467 @@
           </a:p>
         </p:txBody>
       </p:sp>
+      <p:graphicFrame>
+        <p:nvGraphicFramePr>
+          <p:cNvPr id="3" name="표 4">
+            <a:extLst>
+              <a:ext uri="{FF2B5EF4-FFF2-40B4-BE49-F238E27FC236}">
+                <a16:creationId xmlns:a16="http://schemas.microsoft.com/office/drawing/2014/main" id="{99F8AA34-8795-45A7-8A99-9325431FBDA9}"/>
+              </a:ext>
+            </a:extLst>
+          </p:cNvPr>
+          <p:cNvGraphicFramePr>
+            <a:graphicFrameLocks noGrp="1"/>
+          </p:cNvGraphicFramePr>
+          <p:nvPr>
+            <p:extLst>
+              <p:ext uri="{D42A27DB-BD31-4B8C-83A1-F6EECF244321}">
+                <p14:modId xmlns:p14="http://schemas.microsoft.com/office/powerpoint/2010/main" val="3612178837"/>
+              </p:ext>
+            </p:extLst>
+          </p:nvPr>
+        </p:nvGraphicFramePr>
+        <p:xfrm>
+          <a:off x="2032000" y="2034540"/>
+          <a:ext cx="7805702" cy="2860040"/>
+        </p:xfrm>
+        <a:graphic>
+          <a:graphicData uri="http://schemas.openxmlformats.org/drawingml/2006/table">
+            <a:tbl>
+              <a:tblPr firstRow="1" bandRow="1">
+                <a:tableStyleId>{5C22544A-7EE6-4342-B048-85BDC9FD1C3A}</a:tableStyleId>
+              </a:tblPr>
+              <a:tblGrid>
+                <a:gridCol w="2379980">
+                  <a:extLst>
+                    <a:ext uri="{9D8B030D-6E8A-4147-A177-3AD203B41FA5}">
+                      <a16:colId xmlns:a16="http://schemas.microsoft.com/office/drawing/2014/main" val="2817569003"/>
+                    </a:ext>
+                  </a:extLst>
+                </a:gridCol>
+                <a:gridCol w="2709333">
+                  <a:extLst>
+                    <a:ext uri="{9D8B030D-6E8A-4147-A177-3AD203B41FA5}">
+                      <a16:colId xmlns:a16="http://schemas.microsoft.com/office/drawing/2014/main" val="638798328"/>
+                    </a:ext>
+                  </a:extLst>
+                </a:gridCol>
+                <a:gridCol w="2716389">
+                  <a:extLst>
+                    <a:ext uri="{9D8B030D-6E8A-4147-A177-3AD203B41FA5}">
+                      <a16:colId xmlns:a16="http://schemas.microsoft.com/office/drawing/2014/main" val="3635681830"/>
+                    </a:ext>
+                  </a:extLst>
+                </a:gridCol>
+              </a:tblGrid>
+              <a:tr h="315974">
+                <a:tc>
+                  <a:txBody>
+                    <a:bodyPr/>
+                    <a:lstStyle/>
+                    <a:p>
+                      <a:pPr algn="ctr" latinLnBrk="1"/>
+                      <a:r>
+                        <a:rPr lang="ko-KR" altLang="en-US" dirty="0"/>
+                        <a:t>장병희</a:t>
+                      </a:r>
+                    </a:p>
+                  </a:txBody>
+                  <a:tcPr/>
+                </a:tc>
+                <a:tc>
+                  <a:txBody>
+                    <a:bodyPr/>
+                    <a:lstStyle/>
+                    <a:p>
+                      <a:pPr algn="ctr" latinLnBrk="1"/>
+                      <a:r>
+                        <a:rPr lang="ko-KR" altLang="en-US" dirty="0"/>
+                        <a:t>이승준</a:t>
+                      </a:r>
+                    </a:p>
+                  </a:txBody>
+                  <a:tcPr/>
+                </a:tc>
+                <a:tc>
+                  <a:txBody>
+                    <a:bodyPr/>
+                    <a:lstStyle/>
+                    <a:p>
+                      <a:pPr algn="ctr" latinLnBrk="1"/>
+                      <a:r>
+                        <a:rPr lang="ko-KR" altLang="en-US" dirty="0" err="1"/>
+                        <a:t>권대휘</a:t>
+                      </a:r>
+                      <a:endParaRPr lang="ko-KR" altLang="en-US" dirty="0"/>
+                    </a:p>
+                  </a:txBody>
+                  <a:tcPr/>
+                </a:tc>
+                <a:extLst>
+                  <a:ext uri="{0D108BD9-81ED-4DB2-BD59-A6C34878D82A}">
+                    <a16:rowId xmlns:a16="http://schemas.microsoft.com/office/drawing/2014/main" val="495834971"/>
+                  </a:ext>
+                </a:extLst>
+              </a:tr>
+              <a:tr h="370840">
+                <a:tc gridSpan="3">
+                  <a:txBody>
+                    <a:bodyPr/>
+                    <a:lstStyle/>
+                    <a:p>
+                      <a:pPr algn="ctr" latinLnBrk="1"/>
+                      <a:r>
+                        <a:rPr lang="ko-KR" altLang="en-US" dirty="0"/>
+                        <a:t>데이터 </a:t>
+                      </a:r>
+                      <a:r>
+                        <a:rPr lang="ko-KR" altLang="en-US" dirty="0" err="1"/>
+                        <a:t>전처리</a:t>
+                      </a:r>
+                      <a:r>
+                        <a:rPr lang="ko-KR" altLang="en-US" dirty="0"/>
+                        <a:t> 및 수집</a:t>
+                      </a:r>
+                    </a:p>
+                  </a:txBody>
+                  <a:tcPr/>
+                </a:tc>
+                <a:tc hMerge="1">
+                  <a:txBody>
+                    <a:bodyPr/>
+                    <a:lstStyle/>
+                    <a:p>
+                      <a:pPr latinLnBrk="1"/>
+                      <a:endParaRPr lang="ko-KR" altLang="en-US" dirty="0"/>
+                    </a:p>
+                  </a:txBody>
+                  <a:tcPr/>
+                </a:tc>
+                <a:tc hMerge="1">
+                  <a:txBody>
+                    <a:bodyPr/>
+                    <a:lstStyle/>
+                    <a:p>
+                      <a:pPr latinLnBrk="1"/>
+                      <a:endParaRPr lang="ko-KR" altLang="en-US" dirty="0"/>
+                    </a:p>
+                  </a:txBody>
+                  <a:tcPr/>
+                </a:tc>
+                <a:extLst>
+                  <a:ext uri="{0D108BD9-81ED-4DB2-BD59-A6C34878D82A}">
+                    <a16:rowId xmlns:a16="http://schemas.microsoft.com/office/drawing/2014/main" val="3211163608"/>
+                  </a:ext>
+                </a:extLst>
+              </a:tr>
+              <a:tr h="370840">
+                <a:tc gridSpan="3">
+                  <a:txBody>
+                    <a:bodyPr/>
+                    <a:lstStyle/>
+                    <a:p>
+                      <a:pPr algn="ctr" latinLnBrk="1"/>
+                      <a:r>
+                        <a:rPr lang="ko-KR" altLang="en-US" dirty="0"/>
+                        <a:t>오픈 소스 </a:t>
+                      </a:r>
+                      <a:r>
+                        <a:rPr lang="en-US" altLang="ko-KR" dirty="0"/>
+                        <a:t>SW</a:t>
+                      </a:r>
+                      <a:r>
+                        <a:rPr lang="ko-KR" altLang="en-US" dirty="0"/>
+                        <a:t>분석 및 편집</a:t>
+                      </a:r>
+                    </a:p>
+                  </a:txBody>
+                  <a:tcPr/>
+                </a:tc>
+                <a:tc hMerge="1">
+                  <a:txBody>
+                    <a:bodyPr/>
+                    <a:lstStyle/>
+                    <a:p>
+                      <a:pPr latinLnBrk="1"/>
+                      <a:endParaRPr lang="ko-KR" altLang="en-US" dirty="0"/>
+                    </a:p>
+                  </a:txBody>
+                  <a:tcPr/>
+                </a:tc>
+                <a:tc hMerge="1">
+                  <a:txBody>
+                    <a:bodyPr/>
+                    <a:lstStyle/>
+                    <a:p>
+                      <a:pPr latinLnBrk="1"/>
+                      <a:endParaRPr lang="ko-KR" altLang="en-US" dirty="0"/>
+                    </a:p>
+                  </a:txBody>
+                  <a:tcPr/>
+                </a:tc>
+                <a:extLst>
+                  <a:ext uri="{0D108BD9-81ED-4DB2-BD59-A6C34878D82A}">
+                    <a16:rowId xmlns:a16="http://schemas.microsoft.com/office/drawing/2014/main" val="3243577292"/>
+                  </a:ext>
+                </a:extLst>
+              </a:tr>
+              <a:tr h="370840">
+                <a:tc>
+                  <a:txBody>
+                    <a:bodyPr/>
+                    <a:lstStyle/>
+                    <a:p>
+                      <a:pPr algn="ctr" latinLnBrk="1"/>
+                      <a:r>
+                        <a:rPr lang="en-US" altLang="ko-KR" dirty="0"/>
+                        <a:t>YOLO v3 </a:t>
+                      </a:r>
+                      <a:r>
+                        <a:rPr lang="ko-KR" altLang="en-US" dirty="0"/>
+                        <a:t>적용</a:t>
+                      </a:r>
+                    </a:p>
+                  </a:txBody>
+                  <a:tcPr/>
+                </a:tc>
+                <a:tc>
+                  <a:txBody>
+                    <a:bodyPr/>
+                    <a:lstStyle/>
+                    <a:p>
+                      <a:pPr algn="ctr" latinLnBrk="1"/>
+                      <a:r>
+                        <a:rPr lang="en-US" altLang="ko-KR" dirty="0"/>
+                        <a:t>YOLO v4 </a:t>
+                      </a:r>
+                      <a:r>
+                        <a:rPr lang="ko-KR" altLang="en-US" dirty="0"/>
+                        <a:t>적용</a:t>
+                      </a:r>
+                    </a:p>
+                  </a:txBody>
+                  <a:tcPr/>
+                </a:tc>
+                <a:tc>
+                  <a:txBody>
+                    <a:bodyPr/>
+                    <a:lstStyle/>
+                    <a:p>
+                      <a:pPr algn="ctr" latinLnBrk="1"/>
+                      <a:r>
+                        <a:rPr lang="en-US" altLang="ko-KR" dirty="0"/>
+                        <a:t>YOLO v5</a:t>
+                      </a:r>
+                      <a:r>
+                        <a:rPr lang="ko-KR" altLang="en-US" dirty="0"/>
+                        <a:t>적용</a:t>
+                      </a:r>
+                    </a:p>
+                  </a:txBody>
+                  <a:tcPr/>
+                </a:tc>
+                <a:extLst>
+                  <a:ext uri="{0D108BD9-81ED-4DB2-BD59-A6C34878D82A}">
+                    <a16:rowId xmlns:a16="http://schemas.microsoft.com/office/drawing/2014/main" val="2073799823"/>
+                  </a:ext>
+                </a:extLst>
+              </a:tr>
+              <a:tr h="370840">
+                <a:tc>
+                  <a:txBody>
+                    <a:bodyPr/>
+                    <a:lstStyle/>
+                    <a:p>
+                      <a:pPr algn="ctr" latinLnBrk="1"/>
+                      <a:r>
+                        <a:rPr lang="ko-KR" altLang="en-US" dirty="0" err="1"/>
+                        <a:t>라즈베리파이</a:t>
+                      </a:r>
+                      <a:r>
+                        <a:rPr lang="ko-KR" altLang="en-US" dirty="0"/>
+                        <a:t> </a:t>
+                      </a:r>
+                      <a:r>
+                        <a:rPr lang="en-US" altLang="ko-KR" dirty="0"/>
+                        <a:t>4 </a:t>
+                      </a:r>
+                      <a:r>
+                        <a:rPr lang="ko-KR" altLang="en-US" dirty="0"/>
+                        <a:t>적용</a:t>
+                      </a:r>
+                    </a:p>
+                  </a:txBody>
+                  <a:tcPr/>
+                </a:tc>
+                <a:tc>
+                  <a:txBody>
+                    <a:bodyPr/>
+                    <a:lstStyle/>
+                    <a:p>
+                      <a:pPr algn="ctr" latinLnBrk="1"/>
+                      <a:r>
+                        <a:rPr lang="ko-KR" altLang="en-US" dirty="0" err="1"/>
+                        <a:t>라즈베리파이</a:t>
+                      </a:r>
+                      <a:r>
+                        <a:rPr lang="ko-KR" altLang="en-US" dirty="0"/>
+                        <a:t> </a:t>
+                      </a:r>
+                      <a:endParaRPr lang="en-US" altLang="ko-KR" dirty="0"/>
+                    </a:p>
+                    <a:p>
+                      <a:pPr algn="ctr" latinLnBrk="1"/>
+                      <a:r>
+                        <a:rPr lang="en-US" altLang="ko-KR" dirty="0"/>
+                        <a:t>3B vs 4 </a:t>
+                      </a:r>
+                      <a:r>
+                        <a:rPr lang="ko-KR" altLang="en-US" dirty="0"/>
+                        <a:t>성능 비교</a:t>
+                      </a:r>
+                    </a:p>
+                  </a:txBody>
+                  <a:tcPr/>
+                </a:tc>
+                <a:tc>
+                  <a:txBody>
+                    <a:bodyPr/>
+                    <a:lstStyle/>
+                    <a:p>
+                      <a:pPr marL="0" marR="0" lvl="0" indent="0" algn="l" defTabSz="914400" rtl="0" eaLnBrk="1" fontAlgn="auto" latinLnBrk="1" hangingPunct="1">
+                        <a:lnSpc>
+                          <a:spcPct val="100000"/>
+                        </a:lnSpc>
+                        <a:spcBef>
+                          <a:spcPts val="0"/>
+                        </a:spcBef>
+                        <a:spcAft>
+                          <a:spcPts val="0"/>
+                        </a:spcAft>
+                        <a:buClrTx/>
+                        <a:buSzTx/>
+                        <a:buFontTx/>
+                        <a:buNone/>
+                        <a:tabLst/>
+                        <a:defRPr/>
+                      </a:pPr>
+                      <a:r>
+                        <a:rPr lang="ko-KR" altLang="en-US" dirty="0" err="1"/>
+                        <a:t>라즈베리파이</a:t>
+                      </a:r>
+                      <a:r>
+                        <a:rPr lang="ko-KR" altLang="en-US" dirty="0"/>
+                        <a:t> </a:t>
+                      </a:r>
+                      <a:r>
+                        <a:rPr lang="en-US" altLang="ko-KR" dirty="0"/>
+                        <a:t>3B </a:t>
+                      </a:r>
+                      <a:r>
+                        <a:rPr lang="ko-KR" altLang="en-US" dirty="0"/>
+                        <a:t>적용</a:t>
+                      </a:r>
+                    </a:p>
+                  </a:txBody>
+                  <a:tcPr/>
+                </a:tc>
+                <a:extLst>
+                  <a:ext uri="{0D108BD9-81ED-4DB2-BD59-A6C34878D82A}">
+                    <a16:rowId xmlns:a16="http://schemas.microsoft.com/office/drawing/2014/main" val="3186854658"/>
+                  </a:ext>
+                </a:extLst>
+              </a:tr>
+              <a:tr h="370840">
+                <a:tc gridSpan="3">
+                  <a:txBody>
+                    <a:bodyPr/>
+                    <a:lstStyle/>
+                    <a:p>
+                      <a:pPr algn="ctr" latinLnBrk="1"/>
+                      <a:r>
+                        <a:rPr lang="ko-KR" altLang="en-US" dirty="0"/>
+                        <a:t>모델 및 하드웨어 선정</a:t>
+                      </a:r>
+                    </a:p>
+                  </a:txBody>
+                  <a:tcPr/>
+                </a:tc>
+                <a:tc hMerge="1">
+                  <a:txBody>
+                    <a:bodyPr/>
+                    <a:lstStyle/>
+                    <a:p>
+                      <a:pPr latinLnBrk="1"/>
+                      <a:endParaRPr lang="ko-KR" altLang="en-US" dirty="0"/>
+                    </a:p>
+                  </a:txBody>
+                  <a:tcPr/>
+                </a:tc>
+                <a:tc hMerge="1">
+                  <a:txBody>
+                    <a:bodyPr/>
+                    <a:lstStyle/>
+                    <a:p>
+                      <a:pPr latinLnBrk="1"/>
+                      <a:endParaRPr lang="ko-KR" altLang="en-US" dirty="0"/>
+                    </a:p>
+                  </a:txBody>
+                  <a:tcPr/>
+                </a:tc>
+                <a:extLst>
+                  <a:ext uri="{0D108BD9-81ED-4DB2-BD59-A6C34878D82A}">
+                    <a16:rowId xmlns:a16="http://schemas.microsoft.com/office/drawing/2014/main" val="2881597266"/>
+                  </a:ext>
+                </a:extLst>
+              </a:tr>
+              <a:tr h="370840">
+                <a:tc gridSpan="3">
+                  <a:txBody>
+                    <a:bodyPr/>
+                    <a:lstStyle/>
+                    <a:p>
+                      <a:pPr algn="ctr" latinLnBrk="1"/>
+                      <a:r>
+                        <a:rPr lang="ko-KR" altLang="en-US" dirty="0"/>
+                        <a:t>보고서 작성</a:t>
+                      </a:r>
+                    </a:p>
+                  </a:txBody>
+                  <a:tcPr/>
+                </a:tc>
+                <a:tc hMerge="1">
+                  <a:txBody>
+                    <a:bodyPr/>
+                    <a:lstStyle/>
+                    <a:p>
+                      <a:pPr latinLnBrk="1"/>
+                      <a:endParaRPr lang="ko-KR" altLang="en-US"/>
+                    </a:p>
+                  </a:txBody>
+                  <a:tcPr/>
+                </a:tc>
+                <a:tc hMerge="1">
+                  <a:txBody>
+                    <a:bodyPr/>
+                    <a:lstStyle/>
+                    <a:p>
+                      <a:pPr latinLnBrk="1"/>
+                      <a:endParaRPr lang="ko-KR" altLang="en-US"/>
+                    </a:p>
+                  </a:txBody>
+                  <a:tcPr/>
+                </a:tc>
+                <a:extLst>
+                  <a:ext uri="{0D108BD9-81ED-4DB2-BD59-A6C34878D82A}">
+                    <a16:rowId xmlns:a16="http://schemas.microsoft.com/office/drawing/2014/main" val="1613615608"/>
+                  </a:ext>
+                </a:extLst>
+              </a:tr>
+            </a:tbl>
+          </a:graphicData>
+        </a:graphic>
+      </p:graphicFrame>
     </p:spTree>
     <p:extLst>
       <p:ext uri="{BB962C8B-B14F-4D97-AF65-F5344CB8AC3E}">
@@ -3271,7 +6181,695 @@
 </p:sld>
 </file>
 
-<file path=ppt/slides/slide13.xml><?xml version="1.0" encoding="utf-8"?>
+<file path=ppt/slides/slide16.xml><?xml version="1.0" encoding="utf-8"?>
+<p:sld xmlns:a="http://schemas.openxmlformats.org/drawingml/2006/main" xmlns:r="http://schemas.openxmlformats.org/officeDocument/2006/relationships" xmlns:p="http://schemas.openxmlformats.org/presentationml/2006/main">
+  <p:cSld>
+    <p:spTree>
+      <p:nvGrpSpPr>
+        <p:cNvPr id="1" name=""/>
+        <p:cNvGrpSpPr/>
+        <p:nvPr/>
+      </p:nvGrpSpPr>
+      <p:grpSpPr>
+        <a:xfrm>
+          <a:off x="0" y="0"/>
+          <a:ext cx="0" cy="0"/>
+          <a:chOff x="0" y="0"/>
+          <a:chExt cx="0" cy="0"/>
+        </a:xfrm>
+      </p:grpSpPr>
+      <p:sp>
+        <p:nvSpPr>
+          <p:cNvPr id="4" name="TextBox 3"/>
+          <p:cNvSpPr txBox="1"/>
+          <p:nvPr/>
+        </p:nvSpPr>
+        <p:spPr>
+          <a:xfrm>
+            <a:off x="449943" y="629558"/>
+            <a:ext cx="697627" cy="400110"/>
+          </a:xfrm>
+          <a:prstGeom prst="rect">
+            <a:avLst/>
+          </a:prstGeom>
+          <a:noFill/>
+        </p:spPr>
+        <p:txBody>
+          <a:bodyPr wrap="none" rtlCol="0">
+            <a:spAutoFit/>
+          </a:bodyPr>
+          <a:lstStyle/>
+          <a:p>
+            <a:r>
+              <a:rPr lang="ko-KR" altLang="en-US" sz="2000" b="1" dirty="0"/>
+              <a:t>정리</a:t>
+            </a:r>
+          </a:p>
+        </p:txBody>
+      </p:sp>
+      <p:sp>
+        <p:nvSpPr>
+          <p:cNvPr id="11" name="직사각형 10"/>
+          <p:cNvSpPr/>
+          <p:nvPr/>
+        </p:nvSpPr>
+        <p:spPr>
+          <a:xfrm>
+            <a:off x="319314" y="161924"/>
+            <a:ext cx="995136" cy="376919"/>
+          </a:xfrm>
+          <a:prstGeom prst="rect">
+            <a:avLst/>
+          </a:prstGeom>
+          <a:solidFill>
+            <a:srgbClr val="0070C0"/>
+          </a:solidFill>
+          <a:ln>
+            <a:noFill/>
+          </a:ln>
+        </p:spPr>
+        <p:style>
+          <a:lnRef idx="2">
+            <a:schemeClr val="accent1">
+              <a:shade val="50000"/>
+            </a:schemeClr>
+          </a:lnRef>
+          <a:fillRef idx="1">
+            <a:schemeClr val="accent1"/>
+          </a:fillRef>
+          <a:effectRef idx="0">
+            <a:schemeClr val="accent1"/>
+          </a:effectRef>
+          <a:fontRef idx="minor">
+            <a:schemeClr val="lt1"/>
+          </a:fontRef>
+        </p:style>
+        <p:txBody>
+          <a:bodyPr rtlCol="0" anchor="ctr"/>
+          <a:lstStyle/>
+          <a:p>
+            <a:pPr algn="ctr"/>
+            <a:endParaRPr lang="ko-KR" altLang="en-US"/>
+          </a:p>
+        </p:txBody>
+      </p:sp>
+      <p:sp>
+        <p:nvSpPr>
+          <p:cNvPr id="14" name="타원 13"/>
+          <p:cNvSpPr/>
+          <p:nvPr/>
+        </p:nvSpPr>
+        <p:spPr>
+          <a:xfrm>
+            <a:off x="561638" y="1064986"/>
+            <a:ext cx="72000" cy="72000"/>
+          </a:xfrm>
+          <a:prstGeom prst="ellipse">
+            <a:avLst/>
+          </a:prstGeom>
+          <a:solidFill>
+            <a:srgbClr val="002060"/>
+          </a:solidFill>
+          <a:ln>
+            <a:noFill/>
+          </a:ln>
+        </p:spPr>
+        <p:style>
+          <a:lnRef idx="2">
+            <a:schemeClr val="accent1">
+              <a:shade val="50000"/>
+            </a:schemeClr>
+          </a:lnRef>
+          <a:fillRef idx="1">
+            <a:schemeClr val="accent1"/>
+          </a:fillRef>
+          <a:effectRef idx="0">
+            <a:schemeClr val="accent1"/>
+          </a:effectRef>
+          <a:fontRef idx="minor">
+            <a:schemeClr val="lt1"/>
+          </a:fontRef>
+        </p:style>
+        <p:txBody>
+          <a:bodyPr rtlCol="0" anchor="ctr"/>
+          <a:lstStyle/>
+          <a:p>
+            <a:pPr algn="ctr"/>
+            <a:endParaRPr lang="ko-KR" altLang="en-US" sz="1600"/>
+          </a:p>
+        </p:txBody>
+      </p:sp>
+      <p:sp>
+        <p:nvSpPr>
+          <p:cNvPr id="15" name="타원 14"/>
+          <p:cNvSpPr/>
+          <p:nvPr/>
+        </p:nvSpPr>
+        <p:spPr>
+          <a:xfrm>
+            <a:off x="723122" y="1064986"/>
+            <a:ext cx="72000" cy="72000"/>
+          </a:xfrm>
+          <a:prstGeom prst="ellipse">
+            <a:avLst/>
+          </a:prstGeom>
+          <a:solidFill>
+            <a:srgbClr val="0070C0"/>
+          </a:solidFill>
+          <a:ln>
+            <a:noFill/>
+          </a:ln>
+        </p:spPr>
+        <p:style>
+          <a:lnRef idx="2">
+            <a:schemeClr val="accent1">
+              <a:shade val="50000"/>
+            </a:schemeClr>
+          </a:lnRef>
+          <a:fillRef idx="1">
+            <a:schemeClr val="accent1"/>
+          </a:fillRef>
+          <a:effectRef idx="0">
+            <a:schemeClr val="accent1"/>
+          </a:effectRef>
+          <a:fontRef idx="minor">
+            <a:schemeClr val="lt1"/>
+          </a:fontRef>
+        </p:style>
+        <p:txBody>
+          <a:bodyPr rtlCol="0" anchor="ctr"/>
+          <a:lstStyle/>
+          <a:p>
+            <a:pPr algn="ctr"/>
+            <a:endParaRPr lang="ko-KR" altLang="en-US" sz="1600"/>
+          </a:p>
+        </p:txBody>
+      </p:sp>
+      <p:sp>
+        <p:nvSpPr>
+          <p:cNvPr id="16" name="타원 15"/>
+          <p:cNvSpPr/>
+          <p:nvPr/>
+        </p:nvSpPr>
+        <p:spPr>
+          <a:xfrm>
+            <a:off x="884606" y="1064986"/>
+            <a:ext cx="72000" cy="72000"/>
+          </a:xfrm>
+          <a:prstGeom prst="ellipse">
+            <a:avLst/>
+          </a:prstGeom>
+          <a:solidFill>
+            <a:srgbClr val="00B0F0"/>
+          </a:solidFill>
+          <a:ln>
+            <a:noFill/>
+          </a:ln>
+        </p:spPr>
+        <p:style>
+          <a:lnRef idx="2">
+            <a:schemeClr val="accent1">
+              <a:shade val="50000"/>
+            </a:schemeClr>
+          </a:lnRef>
+          <a:fillRef idx="1">
+            <a:schemeClr val="accent1"/>
+          </a:fillRef>
+          <a:effectRef idx="0">
+            <a:schemeClr val="accent1"/>
+          </a:effectRef>
+          <a:fontRef idx="minor">
+            <a:schemeClr val="lt1"/>
+          </a:fontRef>
+        </p:style>
+        <p:txBody>
+          <a:bodyPr rtlCol="0" anchor="ctr"/>
+          <a:lstStyle/>
+          <a:p>
+            <a:pPr algn="ctr"/>
+            <a:endParaRPr lang="ko-KR" altLang="en-US" sz="1600"/>
+          </a:p>
+        </p:txBody>
+      </p:sp>
+      <p:grpSp>
+        <p:nvGrpSpPr>
+          <p:cNvPr id="18" name="그룹 17">
+            <a:extLst>
+              <a:ext uri="{FF2B5EF4-FFF2-40B4-BE49-F238E27FC236}">
+                <a16:creationId xmlns:a16="http://schemas.microsoft.com/office/drawing/2014/main" id="{31ACFD83-3FD1-4203-864A-A149A244F486}"/>
+              </a:ext>
+            </a:extLst>
+          </p:cNvPr>
+          <p:cNvGrpSpPr/>
+          <p:nvPr/>
+        </p:nvGrpSpPr>
+        <p:grpSpPr>
+          <a:xfrm>
+            <a:off x="7700833" y="611078"/>
+            <a:ext cx="3871229" cy="276999"/>
+            <a:chOff x="7700833" y="609794"/>
+            <a:chExt cx="3871229" cy="276999"/>
+          </a:xfrm>
+        </p:grpSpPr>
+        <p:sp>
+          <p:nvSpPr>
+            <p:cNvPr id="19" name="TextBox 18">
+              <a:extLst>
+                <a:ext uri="{FF2B5EF4-FFF2-40B4-BE49-F238E27FC236}">
+                  <a16:creationId xmlns:a16="http://schemas.microsoft.com/office/drawing/2014/main" id="{E7E1F318-6CE2-418E-872D-D899891BAE52}"/>
+                </a:ext>
+              </a:extLst>
+            </p:cNvPr>
+            <p:cNvSpPr txBox="1"/>
+            <p:nvPr/>
+          </p:nvSpPr>
+          <p:spPr>
+            <a:xfrm>
+              <a:off x="7700833" y="609794"/>
+              <a:ext cx="1162499" cy="276999"/>
+            </a:xfrm>
+            <a:prstGeom prst="rect">
+              <a:avLst/>
+            </a:prstGeom>
+            <a:noFill/>
+          </p:spPr>
+          <p:txBody>
+            <a:bodyPr wrap="none" rtlCol="0" anchor="ctr">
+              <a:spAutoFit/>
+            </a:bodyPr>
+            <a:lstStyle/>
+            <a:p>
+              <a:pPr algn="ctr"/>
+              <a:r>
+                <a:rPr lang="ko-KR" altLang="en-US" sz="1200" b="1" dirty="0">
+                  <a:latin typeface="나눔스퀘어 Bold" panose="020B0600000101010101" pitchFamily="50" charset="-127"/>
+                  <a:ea typeface="나눔스퀘어 Bold" panose="020B0600000101010101" pitchFamily="50" charset="-127"/>
+                </a:rPr>
+                <a:t>프로젝트 소개</a:t>
+              </a:r>
+            </a:p>
+          </p:txBody>
+        </p:sp>
+        <p:sp>
+          <p:nvSpPr>
+            <p:cNvPr id="20" name="TextBox 19">
+              <a:extLst>
+                <a:ext uri="{FF2B5EF4-FFF2-40B4-BE49-F238E27FC236}">
+                  <a16:creationId xmlns:a16="http://schemas.microsoft.com/office/drawing/2014/main" id="{DED87E3E-4C56-4356-A7EA-18CD0DC9A562}"/>
+                </a:ext>
+              </a:extLst>
+            </p:cNvPr>
+            <p:cNvSpPr txBox="1"/>
+            <p:nvPr/>
+          </p:nvSpPr>
+          <p:spPr>
+            <a:xfrm>
+              <a:off x="9072032" y="609794"/>
+              <a:ext cx="492444" cy="276999"/>
+            </a:xfrm>
+            <a:prstGeom prst="rect">
+              <a:avLst/>
+            </a:prstGeom>
+            <a:noFill/>
+          </p:spPr>
+          <p:txBody>
+            <a:bodyPr wrap="none" rtlCol="0" anchor="ctr">
+              <a:spAutoFit/>
+            </a:bodyPr>
+            <a:lstStyle/>
+            <a:p>
+              <a:pPr algn="ctr"/>
+              <a:r>
+                <a:rPr lang="ko-KR" altLang="en-US" sz="1200" b="1" dirty="0">
+                  <a:latin typeface="나눔스퀘어 Bold" panose="020B0600000101010101" pitchFamily="50" charset="-127"/>
+                  <a:ea typeface="나눔스퀘어 Bold" panose="020B0600000101010101" pitchFamily="50" charset="-127"/>
+                </a:rPr>
+                <a:t>문제</a:t>
+              </a:r>
+            </a:p>
+          </p:txBody>
+        </p:sp>
+        <p:sp>
+          <p:nvSpPr>
+            <p:cNvPr id="21" name="TextBox 20">
+              <a:extLst>
+                <a:ext uri="{FF2B5EF4-FFF2-40B4-BE49-F238E27FC236}">
+                  <a16:creationId xmlns:a16="http://schemas.microsoft.com/office/drawing/2014/main" id="{70EA2796-5241-45FD-8E0D-5ABEFE99ACD7}"/>
+                </a:ext>
+              </a:extLst>
+            </p:cNvPr>
+            <p:cNvSpPr txBox="1"/>
+            <p:nvPr/>
+          </p:nvSpPr>
+          <p:spPr>
+            <a:xfrm>
+              <a:off x="9931044" y="609794"/>
+              <a:ext cx="800219" cy="276999"/>
+            </a:xfrm>
+            <a:prstGeom prst="rect">
+              <a:avLst/>
+            </a:prstGeom>
+            <a:noFill/>
+          </p:spPr>
+          <p:txBody>
+            <a:bodyPr wrap="none" rtlCol="0" anchor="ctr">
+              <a:spAutoFit/>
+            </a:bodyPr>
+            <a:lstStyle/>
+            <a:p>
+              <a:pPr algn="ctr"/>
+              <a:r>
+                <a:rPr lang="ko-KR" altLang="en-US" sz="1200" b="1" dirty="0">
+                  <a:latin typeface="나눔스퀘어 Bold" panose="020B0600000101010101" pitchFamily="50" charset="-127"/>
+                  <a:ea typeface="나눔스퀘어 Bold" panose="020B0600000101010101" pitchFamily="50" charset="-127"/>
+                </a:rPr>
+                <a:t>구현계획</a:t>
+              </a:r>
+            </a:p>
+          </p:txBody>
+        </p:sp>
+        <p:sp>
+          <p:nvSpPr>
+            <p:cNvPr id="22" name="TextBox 21">
+              <a:extLst>
+                <a:ext uri="{FF2B5EF4-FFF2-40B4-BE49-F238E27FC236}">
+                  <a16:creationId xmlns:a16="http://schemas.microsoft.com/office/drawing/2014/main" id="{E7931066-70D7-465D-B4C2-4AD2F5355E70}"/>
+                </a:ext>
+              </a:extLst>
+            </p:cNvPr>
+            <p:cNvSpPr txBox="1"/>
+            <p:nvPr/>
+          </p:nvSpPr>
+          <p:spPr>
+            <a:xfrm>
+              <a:off x="11079618" y="609794"/>
+              <a:ext cx="492444" cy="276999"/>
+            </a:xfrm>
+            <a:prstGeom prst="rect">
+              <a:avLst/>
+            </a:prstGeom>
+            <a:noFill/>
+          </p:spPr>
+          <p:txBody>
+            <a:bodyPr wrap="none" rtlCol="0" anchor="ctr">
+              <a:spAutoFit/>
+            </a:bodyPr>
+            <a:lstStyle/>
+            <a:p>
+              <a:pPr algn="ctr"/>
+              <a:r>
+                <a:rPr lang="ko-KR" altLang="en-US" sz="1200" b="1" dirty="0">
+                  <a:solidFill>
+                    <a:srgbClr val="0070C0"/>
+                  </a:solidFill>
+                  <a:latin typeface="나눔스퀘어 Bold" panose="020B0600000101010101" pitchFamily="50" charset="-127"/>
+                  <a:ea typeface="나눔스퀘어 Bold" panose="020B0600000101010101" pitchFamily="50" charset="-127"/>
+                </a:rPr>
+                <a:t>정리</a:t>
+              </a:r>
+            </a:p>
+          </p:txBody>
+        </p:sp>
+      </p:grpSp>
+      <p:sp>
+        <p:nvSpPr>
+          <p:cNvPr id="17" name="TextBox 1">
+            <a:extLst>
+              <a:ext uri="{FF2B5EF4-FFF2-40B4-BE49-F238E27FC236}">
+                <a16:creationId xmlns:a16="http://schemas.microsoft.com/office/drawing/2014/main" id="{4F258F78-3EA5-481E-B57B-532BD143C76A}"/>
+              </a:ext>
+            </a:extLst>
+          </p:cNvPr>
+          <p:cNvSpPr txBox="1"/>
+          <p:nvPr/>
+        </p:nvSpPr>
+        <p:spPr>
+          <a:xfrm>
+            <a:off x="1387593" y="1353275"/>
+            <a:ext cx="9416813" cy="4893647"/>
+          </a:xfrm>
+          <a:prstGeom prst="rect">
+            <a:avLst/>
+          </a:prstGeom>
+          <a:noFill/>
+        </p:spPr>
+        <p:txBody>
+          <a:bodyPr wrap="square" rtlCol="0">
+            <a:spAutoFit/>
+          </a:bodyPr>
+          <a:lstStyle>
+            <a:defPPr>
+              <a:defRPr lang="ko-KR"/>
+            </a:defPPr>
+            <a:lvl1pPr marL="0" algn="l" defTabSz="914400" rtl="0" eaLnBrk="1" latinLnBrk="1" hangingPunct="1">
+              <a:defRPr sz="1800" kern="1200">
+                <a:solidFill>
+                  <a:schemeClr val="tx1"/>
+                </a:solidFill>
+                <a:latin typeface="+mn-lt"/>
+                <a:ea typeface="+mn-ea"/>
+                <a:cs typeface="+mn-cs"/>
+              </a:defRPr>
+            </a:lvl1pPr>
+            <a:lvl2pPr marL="457200" algn="l" defTabSz="914400" rtl="0" eaLnBrk="1" latinLnBrk="1" hangingPunct="1">
+              <a:defRPr sz="1800" kern="1200">
+                <a:solidFill>
+                  <a:schemeClr val="tx1"/>
+                </a:solidFill>
+                <a:latin typeface="+mn-lt"/>
+                <a:ea typeface="+mn-ea"/>
+                <a:cs typeface="+mn-cs"/>
+              </a:defRPr>
+            </a:lvl2pPr>
+            <a:lvl3pPr marL="914400" algn="l" defTabSz="914400" rtl="0" eaLnBrk="1" latinLnBrk="1" hangingPunct="1">
+              <a:defRPr sz="1800" kern="1200">
+                <a:solidFill>
+                  <a:schemeClr val="tx1"/>
+                </a:solidFill>
+                <a:latin typeface="+mn-lt"/>
+                <a:ea typeface="+mn-ea"/>
+                <a:cs typeface="+mn-cs"/>
+              </a:defRPr>
+            </a:lvl3pPr>
+            <a:lvl4pPr marL="1371600" algn="l" defTabSz="914400" rtl="0" eaLnBrk="1" latinLnBrk="1" hangingPunct="1">
+              <a:defRPr sz="1800" kern="1200">
+                <a:solidFill>
+                  <a:schemeClr val="tx1"/>
+                </a:solidFill>
+                <a:latin typeface="+mn-lt"/>
+                <a:ea typeface="+mn-ea"/>
+                <a:cs typeface="+mn-cs"/>
+              </a:defRPr>
+            </a:lvl4pPr>
+            <a:lvl5pPr marL="1828800" algn="l" defTabSz="914400" rtl="0" eaLnBrk="1" latinLnBrk="1" hangingPunct="1">
+              <a:defRPr sz="1800" kern="1200">
+                <a:solidFill>
+                  <a:schemeClr val="tx1"/>
+                </a:solidFill>
+                <a:latin typeface="+mn-lt"/>
+                <a:ea typeface="+mn-ea"/>
+                <a:cs typeface="+mn-cs"/>
+              </a:defRPr>
+            </a:lvl5pPr>
+            <a:lvl6pPr marL="2286000" algn="l" defTabSz="914400" rtl="0" eaLnBrk="1" latinLnBrk="1" hangingPunct="1">
+              <a:defRPr sz="1800" kern="1200">
+                <a:solidFill>
+                  <a:schemeClr val="tx1"/>
+                </a:solidFill>
+                <a:latin typeface="+mn-lt"/>
+                <a:ea typeface="+mn-ea"/>
+                <a:cs typeface="+mn-cs"/>
+              </a:defRPr>
+            </a:lvl6pPr>
+            <a:lvl7pPr marL="2743200" algn="l" defTabSz="914400" rtl="0" eaLnBrk="1" latinLnBrk="1" hangingPunct="1">
+              <a:defRPr sz="1800" kern="1200">
+                <a:solidFill>
+                  <a:schemeClr val="tx1"/>
+                </a:solidFill>
+                <a:latin typeface="+mn-lt"/>
+                <a:ea typeface="+mn-ea"/>
+                <a:cs typeface="+mn-cs"/>
+              </a:defRPr>
+            </a:lvl7pPr>
+            <a:lvl8pPr marL="3200400" algn="l" defTabSz="914400" rtl="0" eaLnBrk="1" latinLnBrk="1" hangingPunct="1">
+              <a:defRPr sz="1800" kern="1200">
+                <a:solidFill>
+                  <a:schemeClr val="tx1"/>
+                </a:solidFill>
+                <a:latin typeface="+mn-lt"/>
+                <a:ea typeface="+mn-ea"/>
+                <a:cs typeface="+mn-cs"/>
+              </a:defRPr>
+            </a:lvl8pPr>
+            <a:lvl9pPr marL="3657600" algn="l" defTabSz="914400" rtl="0" eaLnBrk="1" latinLnBrk="1" hangingPunct="1">
+              <a:defRPr sz="1800" kern="1200">
+                <a:solidFill>
+                  <a:schemeClr val="tx1"/>
+                </a:solidFill>
+                <a:latin typeface="+mn-lt"/>
+                <a:ea typeface="+mn-ea"/>
+                <a:cs typeface="+mn-cs"/>
+              </a:defRPr>
+            </a:lvl9pPr>
+          </a:lstStyle>
+          <a:p>
+            <a:pPr marL="400050" indent="-400050">
+              <a:buFont typeface="+mj-lt"/>
+              <a:buAutoNum type="romanUcPeriod"/>
+            </a:pPr>
+            <a:r>
+              <a:rPr lang="ko-KR" altLang="en-US" sz="2400" b="1" dirty="0"/>
+              <a:t>기술의 한계점</a:t>
+            </a:r>
+            <a:endParaRPr lang="en-US" altLang="ko-KR" sz="2400" b="1" dirty="0"/>
+          </a:p>
+          <a:p>
+            <a:pPr marL="857250" lvl="1" indent="-400050">
+              <a:buFont typeface="+mj-lt"/>
+              <a:buAutoNum type="romanUcPeriod"/>
+            </a:pPr>
+            <a:r>
+              <a:rPr lang="ko-KR" altLang="en-US" sz="2400" b="1" dirty="0"/>
+              <a:t>설치형 시스템이기 때문에</a:t>
+            </a:r>
+            <a:r>
+              <a:rPr lang="en-US" altLang="ko-KR" sz="2400" b="1" dirty="0"/>
+              <a:t>, </a:t>
+            </a:r>
+            <a:r>
+              <a:rPr lang="ko-KR" altLang="en-US" sz="2400" b="1" dirty="0"/>
+              <a:t>한정된 각도만 볼 수 있다</a:t>
+            </a:r>
+            <a:r>
+              <a:rPr lang="en-US" altLang="ko-KR" sz="2400" b="1" dirty="0"/>
+              <a:t>.</a:t>
+            </a:r>
+            <a:r>
+              <a:rPr lang="ko-KR" altLang="en-US" sz="2400" b="1" dirty="0"/>
+              <a:t> </a:t>
+            </a:r>
+            <a:r>
+              <a:rPr lang="en-US" altLang="ko-KR" sz="2400" b="1" dirty="0"/>
+              <a:t>(</a:t>
+            </a:r>
+            <a:r>
+              <a:rPr lang="ko-KR" altLang="en-US" sz="2400" b="1" dirty="0"/>
+              <a:t>사각지대가 있을 수 있다</a:t>
+            </a:r>
+            <a:r>
+              <a:rPr lang="en-US" altLang="ko-KR" sz="2400" b="1" dirty="0"/>
+              <a:t>.)</a:t>
+            </a:r>
+          </a:p>
+          <a:p>
+            <a:pPr marL="857250" lvl="1" indent="-400050">
+              <a:buFont typeface="+mj-lt"/>
+              <a:buAutoNum type="romanUcPeriod"/>
+            </a:pPr>
+            <a:r>
+              <a:rPr lang="ko-KR" altLang="en-US" sz="2400" b="1" dirty="0"/>
+              <a:t>같은 보행자가 카메라 앵글에 들어와서 지팡이를 가린다면 인식이 불가능하다</a:t>
+            </a:r>
+            <a:r>
+              <a:rPr lang="en-US" altLang="ko-KR" sz="2400" b="1" dirty="0"/>
+              <a:t>.</a:t>
+            </a:r>
+          </a:p>
+          <a:p>
+            <a:pPr marL="857250" lvl="1" indent="-400050">
+              <a:buFont typeface="+mj-lt"/>
+              <a:buAutoNum type="romanUcPeriod"/>
+            </a:pPr>
+            <a:r>
+              <a:rPr lang="ko-KR" altLang="en-US" sz="2400" b="1" dirty="0"/>
+              <a:t>하얀색 우산</a:t>
+            </a:r>
+            <a:r>
+              <a:rPr lang="en-US" altLang="ko-KR" sz="2400" b="1" dirty="0"/>
+              <a:t>(</a:t>
+            </a:r>
+            <a:r>
+              <a:rPr lang="ko-KR" altLang="en-US" sz="2400" b="1" dirty="0"/>
+              <a:t>혹은 유사한 하얀색 지팡이</a:t>
+            </a:r>
+            <a:r>
+              <a:rPr lang="en-US" altLang="ko-KR" sz="2400" b="1" dirty="0"/>
+              <a:t>)</a:t>
+            </a:r>
+            <a:r>
+              <a:rPr lang="ko-KR" altLang="en-US" sz="2400" b="1" dirty="0"/>
+              <a:t>를 지팡이로 인식하여 소리가 출력될 수 있다</a:t>
+            </a:r>
+            <a:r>
+              <a:rPr lang="en-US" altLang="ko-KR" sz="2400" b="1" dirty="0"/>
+              <a:t>.</a:t>
+            </a:r>
+          </a:p>
+          <a:p>
+            <a:pPr lvl="1"/>
+            <a:endParaRPr lang="en-US" altLang="ko-KR" sz="2400" b="1" dirty="0"/>
+          </a:p>
+          <a:p>
+            <a:pPr marL="400050" indent="-400050">
+              <a:buFont typeface="+mj-lt"/>
+              <a:buAutoNum type="romanUcPeriod"/>
+            </a:pPr>
+            <a:r>
+              <a:rPr lang="ko-KR" altLang="en-US" sz="2400" b="1" dirty="0"/>
+              <a:t>기술의 활용도</a:t>
+            </a:r>
+            <a:endParaRPr lang="en-US" altLang="ko-KR" sz="2400" b="1" dirty="0"/>
+          </a:p>
+          <a:p>
+            <a:pPr marL="857250" lvl="1" indent="-400050">
+              <a:buFont typeface="+mj-lt"/>
+              <a:buAutoNum type="romanUcPeriod"/>
+            </a:pPr>
+            <a:r>
+              <a:rPr lang="ko-KR" altLang="en-US" sz="2400" b="1" dirty="0"/>
+              <a:t>직접 횡단보도 소리 알림을 하는 것이 아닌</a:t>
+            </a:r>
+            <a:r>
+              <a:rPr lang="en-US" altLang="ko-KR" sz="2400" b="1" dirty="0"/>
+              <a:t>, </a:t>
+            </a:r>
+            <a:r>
+              <a:rPr lang="ko-KR" altLang="en-US" sz="2400" b="1" dirty="0"/>
+              <a:t>음향 신호기 출력시스템에 연결하여 사용하게 되면</a:t>
+            </a:r>
+            <a:r>
+              <a:rPr lang="en-US" altLang="ko-KR" sz="2400" b="1" dirty="0"/>
+              <a:t>, </a:t>
+            </a:r>
+            <a:r>
+              <a:rPr lang="ko-KR" altLang="en-US" sz="2400" b="1" dirty="0"/>
+              <a:t>전봇대에 설치되어 있는 버튼을 누를 필요가 없어진다</a:t>
+            </a:r>
+            <a:r>
+              <a:rPr lang="en-US" altLang="ko-KR" sz="2400" b="1" dirty="0"/>
+              <a:t>.</a:t>
+            </a:r>
+          </a:p>
+          <a:p>
+            <a:pPr lvl="1"/>
+            <a:endParaRPr lang="en-US" altLang="ko-KR" sz="2400" dirty="0"/>
+          </a:p>
+        </p:txBody>
+      </p:sp>
+    </p:spTree>
+    <p:extLst>
+      <p:ext uri="{BB962C8B-B14F-4D97-AF65-F5344CB8AC3E}">
+        <p14:creationId xmlns:p14="http://schemas.microsoft.com/office/powerpoint/2010/main" val="1297961497"/>
+      </p:ext>
+    </p:extLst>
+  </p:cSld>
+  <p:clrMapOvr>
+    <a:masterClrMapping/>
+  </p:clrMapOvr>
+</p:sld>
+</file>
+
+<file path=ppt/slides/slide17.xml><?xml version="1.0" encoding="utf-8"?>
 <p:sld xmlns:a="http://schemas.openxmlformats.org/drawingml/2006/main" xmlns:r="http://schemas.openxmlformats.org/officeDocument/2006/relationships" xmlns:p="http://schemas.openxmlformats.org/presentationml/2006/main">
   <p:cSld>
     <p:spTree>
@@ -3805,7 +7403,7 @@
     </p:spTree>
     <p:extLst>
       <p:ext uri="{BB962C8B-B14F-4D97-AF65-F5344CB8AC3E}">
-        <p14:creationId xmlns:p14="http://schemas.microsoft.com/office/powerpoint/2010/main" val="1297961497"/>
+        <p14:creationId xmlns:p14="http://schemas.microsoft.com/office/powerpoint/2010/main" val="715954080"/>
       </p:ext>
     </p:extLst>
   </p:cSld>
@@ -3815,7 +7413,7 @@
 </p:sld>
 </file>
 
-<file path=ppt/slides/slide14.xml><?xml version="1.0" encoding="utf-8"?>
+<file path=ppt/slides/slide18.xml><?xml version="1.0" encoding="utf-8"?>
 <p:sld xmlns:a="http://schemas.openxmlformats.org/drawingml/2006/main" xmlns:r="http://schemas.openxmlformats.org/officeDocument/2006/relationships" xmlns:p="http://schemas.openxmlformats.org/presentationml/2006/main">
   <p:cSld>
     <p:bg>
